--- a/ВКР/Ерохин_ВКР.pptx
+++ b/ВКР/Ерохин_ВКР.pptx
@@ -5,15 +5,17 @@
     <p:sldMasterId id="2147483648" r:id="rId1"/>
   </p:sldMasterIdLst>
   <p:sldIdLst>
-    <p:sldId id="256" r:id="rId2"/>
+    <p:sldId id="276" r:id="rId2"/>
     <p:sldId id="268" r:id="rId3"/>
-    <p:sldId id="269" r:id="rId4"/>
-    <p:sldId id="270" r:id="rId5"/>
-    <p:sldId id="271" r:id="rId6"/>
+    <p:sldId id="270" r:id="rId4"/>
+    <p:sldId id="271" r:id="rId5"/>
+    <p:sldId id="272" r:id="rId6"/>
     <p:sldId id="264" r:id="rId7"/>
     <p:sldId id="265" r:id="rId8"/>
     <p:sldId id="266" r:id="rId9"/>
-    <p:sldId id="263" r:id="rId10"/>
+    <p:sldId id="273" r:id="rId10"/>
+    <p:sldId id="274" r:id="rId11"/>
+    <p:sldId id="277" r:id="rId12"/>
   </p:sldIdLst>
   <p:sldSz cx="12192000" cy="6858000"/>
   <p:notesSz cx="6858000" cy="9144000"/>
@@ -114,7 +116,7 @@
   </p:defaultTextStyle>
   <p:extLst>
     <p:ext uri="{EFAFB233-063F-42B5-8137-9DF3F51BA10A}">
-      <p15:sldGuideLst xmlns="" xmlns:p15="http://schemas.microsoft.com/office/powerpoint/2012/main"/>
+      <p15:sldGuideLst xmlns:p15="http://schemas.microsoft.com/office/powerpoint/2012/main" xmlns=""/>
     </p:ext>
   </p:extLst>
 </p:presentation>
@@ -142,7 +144,7 @@
           <p:cNvPr id="2" name="Заголовок 1">
             <a:extLst>
               <a:ext uri="{FF2B5EF4-FFF2-40B4-BE49-F238E27FC236}">
-                <a16:creationId xmlns="" xmlns:a16="http://schemas.microsoft.com/office/drawing/2014/main" id="{E86300F0-4D74-41D2-AAE6-F4FCE88934EA}"/>
+                <a16:creationId xmlns:a16="http://schemas.microsoft.com/office/drawing/2014/main" xmlns="" id="{E86300F0-4D74-41D2-AAE6-F4FCE88934EA}"/>
               </a:ext>
             </a:extLst>
           </p:cNvPr>
@@ -179,7 +181,7 @@
           <p:cNvPr id="3" name="Подзаголовок 2">
             <a:extLst>
               <a:ext uri="{FF2B5EF4-FFF2-40B4-BE49-F238E27FC236}">
-                <a16:creationId xmlns="" xmlns:a16="http://schemas.microsoft.com/office/drawing/2014/main" id="{BF2B6EFA-7D7A-41BB-8B34-01305A3C1C22}"/>
+                <a16:creationId xmlns:a16="http://schemas.microsoft.com/office/drawing/2014/main" xmlns="" id="{BF2B6EFA-7D7A-41BB-8B34-01305A3C1C22}"/>
               </a:ext>
             </a:extLst>
           </p:cNvPr>
@@ -249,7 +251,7 @@
           <p:cNvPr id="4" name="Дата 3">
             <a:extLst>
               <a:ext uri="{FF2B5EF4-FFF2-40B4-BE49-F238E27FC236}">
-                <a16:creationId xmlns="" xmlns:a16="http://schemas.microsoft.com/office/drawing/2014/main" id="{5ACD7586-734A-4F94-9EC3-B846D513F640}"/>
+                <a16:creationId xmlns:a16="http://schemas.microsoft.com/office/drawing/2014/main" xmlns="" id="{5ACD7586-734A-4F94-9EC3-B846D513F640}"/>
               </a:ext>
             </a:extLst>
           </p:cNvPr>
@@ -268,7 +270,7 @@
             <a:fld id="{3E0DEFAB-D35C-4B57-993C-3B0C99F1DFFF}" type="datetimeFigureOut">
               <a:rPr lang="ru-RU" smtClean="0"/>
               <a:pPr/>
-              <a:t>05.06.2025</a:t>
+              <a:t>24.06.2025</a:t>
             </a:fld>
             <a:endParaRPr lang="ru-RU"/>
           </a:p>
@@ -279,7 +281,7 @@
           <p:cNvPr id="5" name="Нижний колонтитул 4">
             <a:extLst>
               <a:ext uri="{FF2B5EF4-FFF2-40B4-BE49-F238E27FC236}">
-                <a16:creationId xmlns="" xmlns:a16="http://schemas.microsoft.com/office/drawing/2014/main" id="{173DD6F1-5549-4664-A81C-490BE2634E5E}"/>
+                <a16:creationId xmlns:a16="http://schemas.microsoft.com/office/drawing/2014/main" xmlns="" id="{173DD6F1-5549-4664-A81C-490BE2634E5E}"/>
               </a:ext>
             </a:extLst>
           </p:cNvPr>
@@ -304,7 +306,7 @@
           <p:cNvPr id="6" name="Номер слайда 5">
             <a:extLst>
               <a:ext uri="{FF2B5EF4-FFF2-40B4-BE49-F238E27FC236}">
-                <a16:creationId xmlns="" xmlns:a16="http://schemas.microsoft.com/office/drawing/2014/main" id="{BE7C121D-2299-4F9D-9CBA-0DA2AE18757D}"/>
+                <a16:creationId xmlns:a16="http://schemas.microsoft.com/office/drawing/2014/main" xmlns="" id="{BE7C121D-2299-4F9D-9CBA-0DA2AE18757D}"/>
               </a:ext>
             </a:extLst>
           </p:cNvPr>
@@ -332,7 +334,7 @@
     </p:spTree>
     <p:extLst>
       <p:ext uri="{BB962C8B-B14F-4D97-AF65-F5344CB8AC3E}">
-        <p14:creationId xmlns="" xmlns:p14="http://schemas.microsoft.com/office/powerpoint/2010/main" val="2075226932"/>
+        <p14:creationId xmlns:p14="http://schemas.microsoft.com/office/powerpoint/2010/main" xmlns="" val="2075226932"/>
       </p:ext>
     </p:extLst>
   </p:cSld>
@@ -364,7 +366,7 @@
           <p:cNvPr id="2" name="Заголовок 1">
             <a:extLst>
               <a:ext uri="{FF2B5EF4-FFF2-40B4-BE49-F238E27FC236}">
-                <a16:creationId xmlns="" xmlns:a16="http://schemas.microsoft.com/office/drawing/2014/main" id="{24BA27E8-57BC-4CCE-883B-CD3909D5E7C2}"/>
+                <a16:creationId xmlns:a16="http://schemas.microsoft.com/office/drawing/2014/main" xmlns="" id="{24BA27E8-57BC-4CCE-883B-CD3909D5E7C2}"/>
               </a:ext>
             </a:extLst>
           </p:cNvPr>
@@ -392,7 +394,7 @@
           <p:cNvPr id="3" name="Вертикальный текст 2">
             <a:extLst>
               <a:ext uri="{FF2B5EF4-FFF2-40B4-BE49-F238E27FC236}">
-                <a16:creationId xmlns="" xmlns:a16="http://schemas.microsoft.com/office/drawing/2014/main" id="{677F07E9-AB79-4EFC-98F3-04C8CB1DF7A8}"/>
+                <a16:creationId xmlns:a16="http://schemas.microsoft.com/office/drawing/2014/main" xmlns="" id="{677F07E9-AB79-4EFC-98F3-04C8CB1DF7A8}"/>
               </a:ext>
             </a:extLst>
           </p:cNvPr>
@@ -449,7 +451,7 @@
           <p:cNvPr id="4" name="Дата 3">
             <a:extLst>
               <a:ext uri="{FF2B5EF4-FFF2-40B4-BE49-F238E27FC236}">
-                <a16:creationId xmlns="" xmlns:a16="http://schemas.microsoft.com/office/drawing/2014/main" id="{ABCA2C5D-410D-45E5-A681-BE2C438FBACF}"/>
+                <a16:creationId xmlns:a16="http://schemas.microsoft.com/office/drawing/2014/main" xmlns="" id="{ABCA2C5D-410D-45E5-A681-BE2C438FBACF}"/>
               </a:ext>
             </a:extLst>
           </p:cNvPr>
@@ -468,7 +470,7 @@
             <a:fld id="{3E0DEFAB-D35C-4B57-993C-3B0C99F1DFFF}" type="datetimeFigureOut">
               <a:rPr lang="ru-RU" smtClean="0"/>
               <a:pPr/>
-              <a:t>05.06.2025</a:t>
+              <a:t>24.06.2025</a:t>
             </a:fld>
             <a:endParaRPr lang="ru-RU"/>
           </a:p>
@@ -479,7 +481,7 @@
           <p:cNvPr id="5" name="Нижний колонтитул 4">
             <a:extLst>
               <a:ext uri="{FF2B5EF4-FFF2-40B4-BE49-F238E27FC236}">
-                <a16:creationId xmlns="" xmlns:a16="http://schemas.microsoft.com/office/drawing/2014/main" id="{4DCE755B-510F-4C6F-AD38-B92C8F575BEA}"/>
+                <a16:creationId xmlns:a16="http://schemas.microsoft.com/office/drawing/2014/main" xmlns="" id="{4DCE755B-510F-4C6F-AD38-B92C8F575BEA}"/>
               </a:ext>
             </a:extLst>
           </p:cNvPr>
@@ -504,7 +506,7 @@
           <p:cNvPr id="6" name="Номер слайда 5">
             <a:extLst>
               <a:ext uri="{FF2B5EF4-FFF2-40B4-BE49-F238E27FC236}">
-                <a16:creationId xmlns="" xmlns:a16="http://schemas.microsoft.com/office/drawing/2014/main" id="{635144C0-D596-4B58-9892-747F0D6AC6B9}"/>
+                <a16:creationId xmlns:a16="http://schemas.microsoft.com/office/drawing/2014/main" xmlns="" id="{635144C0-D596-4B58-9892-747F0D6AC6B9}"/>
               </a:ext>
             </a:extLst>
           </p:cNvPr>
@@ -532,7 +534,7 @@
     </p:spTree>
     <p:extLst>
       <p:ext uri="{BB962C8B-B14F-4D97-AF65-F5344CB8AC3E}">
-        <p14:creationId xmlns="" xmlns:p14="http://schemas.microsoft.com/office/powerpoint/2010/main" val="2071460901"/>
+        <p14:creationId xmlns:p14="http://schemas.microsoft.com/office/powerpoint/2010/main" xmlns="" val="2071460901"/>
       </p:ext>
     </p:extLst>
   </p:cSld>
@@ -564,7 +566,7 @@
           <p:cNvPr id="2" name="Вертикальный заголовок 1">
             <a:extLst>
               <a:ext uri="{FF2B5EF4-FFF2-40B4-BE49-F238E27FC236}">
-                <a16:creationId xmlns="" xmlns:a16="http://schemas.microsoft.com/office/drawing/2014/main" id="{9779F767-D1FF-47E9-8CBD-ACBD16469FBB}"/>
+                <a16:creationId xmlns:a16="http://schemas.microsoft.com/office/drawing/2014/main" xmlns="" id="{9779F767-D1FF-47E9-8CBD-ACBD16469FBB}"/>
               </a:ext>
             </a:extLst>
           </p:cNvPr>
@@ -597,7 +599,7 @@
           <p:cNvPr id="3" name="Вертикальный текст 2">
             <a:extLst>
               <a:ext uri="{FF2B5EF4-FFF2-40B4-BE49-F238E27FC236}">
-                <a16:creationId xmlns="" xmlns:a16="http://schemas.microsoft.com/office/drawing/2014/main" id="{EC2A1C1E-33AE-4A06-BDA4-E75C07AF381C}"/>
+                <a16:creationId xmlns:a16="http://schemas.microsoft.com/office/drawing/2014/main" xmlns="" id="{EC2A1C1E-33AE-4A06-BDA4-E75C07AF381C}"/>
               </a:ext>
             </a:extLst>
           </p:cNvPr>
@@ -659,7 +661,7 @@
           <p:cNvPr id="4" name="Дата 3">
             <a:extLst>
               <a:ext uri="{FF2B5EF4-FFF2-40B4-BE49-F238E27FC236}">
-                <a16:creationId xmlns="" xmlns:a16="http://schemas.microsoft.com/office/drawing/2014/main" id="{05E5924B-4935-4C64-9402-74709351A147}"/>
+                <a16:creationId xmlns:a16="http://schemas.microsoft.com/office/drawing/2014/main" xmlns="" id="{05E5924B-4935-4C64-9402-74709351A147}"/>
               </a:ext>
             </a:extLst>
           </p:cNvPr>
@@ -678,7 +680,7 @@
             <a:fld id="{3E0DEFAB-D35C-4B57-993C-3B0C99F1DFFF}" type="datetimeFigureOut">
               <a:rPr lang="ru-RU" smtClean="0"/>
               <a:pPr/>
-              <a:t>05.06.2025</a:t>
+              <a:t>24.06.2025</a:t>
             </a:fld>
             <a:endParaRPr lang="ru-RU"/>
           </a:p>
@@ -689,7 +691,7 @@
           <p:cNvPr id="5" name="Нижний колонтитул 4">
             <a:extLst>
               <a:ext uri="{FF2B5EF4-FFF2-40B4-BE49-F238E27FC236}">
-                <a16:creationId xmlns="" xmlns:a16="http://schemas.microsoft.com/office/drawing/2014/main" id="{EBAEBD71-971D-4474-9085-1ED09F613CAF}"/>
+                <a16:creationId xmlns:a16="http://schemas.microsoft.com/office/drawing/2014/main" xmlns="" id="{EBAEBD71-971D-4474-9085-1ED09F613CAF}"/>
               </a:ext>
             </a:extLst>
           </p:cNvPr>
@@ -714,7 +716,7 @@
           <p:cNvPr id="6" name="Номер слайда 5">
             <a:extLst>
               <a:ext uri="{FF2B5EF4-FFF2-40B4-BE49-F238E27FC236}">
-                <a16:creationId xmlns="" xmlns:a16="http://schemas.microsoft.com/office/drawing/2014/main" id="{67B27676-9378-4ED9-B823-BA9DF5BE7844}"/>
+                <a16:creationId xmlns:a16="http://schemas.microsoft.com/office/drawing/2014/main" xmlns="" id="{67B27676-9378-4ED9-B823-BA9DF5BE7844}"/>
               </a:ext>
             </a:extLst>
           </p:cNvPr>
@@ -742,7 +744,7 @@
     </p:spTree>
     <p:extLst>
       <p:ext uri="{BB962C8B-B14F-4D97-AF65-F5344CB8AC3E}">
-        <p14:creationId xmlns="" xmlns:p14="http://schemas.microsoft.com/office/powerpoint/2010/main" val="3911970382"/>
+        <p14:creationId xmlns:p14="http://schemas.microsoft.com/office/powerpoint/2010/main" xmlns="" val="3911970382"/>
       </p:ext>
     </p:extLst>
   </p:cSld>
@@ -774,7 +776,7 @@
           <p:cNvPr id="2" name="Заголовок 1">
             <a:extLst>
               <a:ext uri="{FF2B5EF4-FFF2-40B4-BE49-F238E27FC236}">
-                <a16:creationId xmlns="" xmlns:a16="http://schemas.microsoft.com/office/drawing/2014/main" id="{19DCEBBA-54AA-460E-83E2-C61ABBC6711B}"/>
+                <a16:creationId xmlns:a16="http://schemas.microsoft.com/office/drawing/2014/main" xmlns="" id="{19DCEBBA-54AA-460E-83E2-C61ABBC6711B}"/>
               </a:ext>
             </a:extLst>
           </p:cNvPr>
@@ -802,7 +804,7 @@
           <p:cNvPr id="3" name="Объект 2">
             <a:extLst>
               <a:ext uri="{FF2B5EF4-FFF2-40B4-BE49-F238E27FC236}">
-                <a16:creationId xmlns="" xmlns:a16="http://schemas.microsoft.com/office/drawing/2014/main" id="{381199AA-A61C-4167-8C1C-D9E490E545DA}"/>
+                <a16:creationId xmlns:a16="http://schemas.microsoft.com/office/drawing/2014/main" xmlns="" id="{381199AA-A61C-4167-8C1C-D9E490E545DA}"/>
               </a:ext>
             </a:extLst>
           </p:cNvPr>
@@ -859,7 +861,7 @@
           <p:cNvPr id="4" name="Дата 3">
             <a:extLst>
               <a:ext uri="{FF2B5EF4-FFF2-40B4-BE49-F238E27FC236}">
-                <a16:creationId xmlns="" xmlns:a16="http://schemas.microsoft.com/office/drawing/2014/main" id="{DEFF7D7B-9029-40BB-B319-8CAD36F3DD08}"/>
+                <a16:creationId xmlns:a16="http://schemas.microsoft.com/office/drawing/2014/main" xmlns="" id="{DEFF7D7B-9029-40BB-B319-8CAD36F3DD08}"/>
               </a:ext>
             </a:extLst>
           </p:cNvPr>
@@ -878,7 +880,7 @@
             <a:fld id="{3E0DEFAB-D35C-4B57-993C-3B0C99F1DFFF}" type="datetimeFigureOut">
               <a:rPr lang="ru-RU" smtClean="0"/>
               <a:pPr/>
-              <a:t>05.06.2025</a:t>
+              <a:t>24.06.2025</a:t>
             </a:fld>
             <a:endParaRPr lang="ru-RU"/>
           </a:p>
@@ -889,7 +891,7 @@
           <p:cNvPr id="5" name="Нижний колонтитул 4">
             <a:extLst>
               <a:ext uri="{FF2B5EF4-FFF2-40B4-BE49-F238E27FC236}">
-                <a16:creationId xmlns="" xmlns:a16="http://schemas.microsoft.com/office/drawing/2014/main" id="{95D9311C-69A2-4D53-A79C-D83A40D6CCC8}"/>
+                <a16:creationId xmlns:a16="http://schemas.microsoft.com/office/drawing/2014/main" xmlns="" id="{95D9311C-69A2-4D53-A79C-D83A40D6CCC8}"/>
               </a:ext>
             </a:extLst>
           </p:cNvPr>
@@ -914,7 +916,7 @@
           <p:cNvPr id="6" name="Номер слайда 5">
             <a:extLst>
               <a:ext uri="{FF2B5EF4-FFF2-40B4-BE49-F238E27FC236}">
-                <a16:creationId xmlns="" xmlns:a16="http://schemas.microsoft.com/office/drawing/2014/main" id="{51A1D937-4DFB-42D8-99DC-A79A7D19C950}"/>
+                <a16:creationId xmlns:a16="http://schemas.microsoft.com/office/drawing/2014/main" xmlns="" id="{51A1D937-4DFB-42D8-99DC-A79A7D19C950}"/>
               </a:ext>
             </a:extLst>
           </p:cNvPr>
@@ -942,7 +944,7 @@
     </p:spTree>
     <p:extLst>
       <p:ext uri="{BB962C8B-B14F-4D97-AF65-F5344CB8AC3E}">
-        <p14:creationId xmlns="" xmlns:p14="http://schemas.microsoft.com/office/powerpoint/2010/main" val="2811079427"/>
+        <p14:creationId xmlns:p14="http://schemas.microsoft.com/office/powerpoint/2010/main" xmlns="" val="2811079427"/>
       </p:ext>
     </p:extLst>
   </p:cSld>
@@ -974,7 +976,7 @@
           <p:cNvPr id="2" name="Заголовок 1">
             <a:extLst>
               <a:ext uri="{FF2B5EF4-FFF2-40B4-BE49-F238E27FC236}">
-                <a16:creationId xmlns="" xmlns:a16="http://schemas.microsoft.com/office/drawing/2014/main" id="{A8A2600E-6CA2-4C2B-B9D1-E56BFE6B83D9}"/>
+                <a16:creationId xmlns:a16="http://schemas.microsoft.com/office/drawing/2014/main" xmlns="" id="{A8A2600E-6CA2-4C2B-B9D1-E56BFE6B83D9}"/>
               </a:ext>
             </a:extLst>
           </p:cNvPr>
@@ -1011,7 +1013,7 @@
           <p:cNvPr id="3" name="Текст 2">
             <a:extLst>
               <a:ext uri="{FF2B5EF4-FFF2-40B4-BE49-F238E27FC236}">
-                <a16:creationId xmlns="" xmlns:a16="http://schemas.microsoft.com/office/drawing/2014/main" id="{01806658-92D1-4B6D-BCDC-7DDC6C65F538}"/>
+                <a16:creationId xmlns:a16="http://schemas.microsoft.com/office/drawing/2014/main" xmlns="" id="{01806658-92D1-4B6D-BCDC-7DDC6C65F538}"/>
               </a:ext>
             </a:extLst>
           </p:cNvPr>
@@ -1136,7 +1138,7 @@
           <p:cNvPr id="4" name="Дата 3">
             <a:extLst>
               <a:ext uri="{FF2B5EF4-FFF2-40B4-BE49-F238E27FC236}">
-                <a16:creationId xmlns="" xmlns:a16="http://schemas.microsoft.com/office/drawing/2014/main" id="{95C64081-1C33-4780-814D-13E631115DB5}"/>
+                <a16:creationId xmlns:a16="http://schemas.microsoft.com/office/drawing/2014/main" xmlns="" id="{95C64081-1C33-4780-814D-13E631115DB5}"/>
               </a:ext>
             </a:extLst>
           </p:cNvPr>
@@ -1155,7 +1157,7 @@
             <a:fld id="{3E0DEFAB-D35C-4B57-993C-3B0C99F1DFFF}" type="datetimeFigureOut">
               <a:rPr lang="ru-RU" smtClean="0"/>
               <a:pPr/>
-              <a:t>05.06.2025</a:t>
+              <a:t>24.06.2025</a:t>
             </a:fld>
             <a:endParaRPr lang="ru-RU"/>
           </a:p>
@@ -1166,7 +1168,7 @@
           <p:cNvPr id="5" name="Нижний колонтитул 4">
             <a:extLst>
               <a:ext uri="{FF2B5EF4-FFF2-40B4-BE49-F238E27FC236}">
-                <a16:creationId xmlns="" xmlns:a16="http://schemas.microsoft.com/office/drawing/2014/main" id="{3877BEC3-5A47-4C05-8349-F6B38C6F3857}"/>
+                <a16:creationId xmlns:a16="http://schemas.microsoft.com/office/drawing/2014/main" xmlns="" id="{3877BEC3-5A47-4C05-8349-F6B38C6F3857}"/>
               </a:ext>
             </a:extLst>
           </p:cNvPr>
@@ -1191,7 +1193,7 @@
           <p:cNvPr id="6" name="Номер слайда 5">
             <a:extLst>
               <a:ext uri="{FF2B5EF4-FFF2-40B4-BE49-F238E27FC236}">
-                <a16:creationId xmlns="" xmlns:a16="http://schemas.microsoft.com/office/drawing/2014/main" id="{01A112A0-71BE-4ADB-89D4-458CF58E7416}"/>
+                <a16:creationId xmlns:a16="http://schemas.microsoft.com/office/drawing/2014/main" xmlns="" id="{01A112A0-71BE-4ADB-89D4-458CF58E7416}"/>
               </a:ext>
             </a:extLst>
           </p:cNvPr>
@@ -1219,7 +1221,7 @@
     </p:spTree>
     <p:extLst>
       <p:ext uri="{BB962C8B-B14F-4D97-AF65-F5344CB8AC3E}">
-        <p14:creationId xmlns="" xmlns:p14="http://schemas.microsoft.com/office/powerpoint/2010/main" val="1802204919"/>
+        <p14:creationId xmlns:p14="http://schemas.microsoft.com/office/powerpoint/2010/main" xmlns="" val="1802204919"/>
       </p:ext>
     </p:extLst>
   </p:cSld>
@@ -1251,7 +1253,7 @@
           <p:cNvPr id="2" name="Заголовок 1">
             <a:extLst>
               <a:ext uri="{FF2B5EF4-FFF2-40B4-BE49-F238E27FC236}">
-                <a16:creationId xmlns="" xmlns:a16="http://schemas.microsoft.com/office/drawing/2014/main" id="{F13B93A3-3638-46BC-A917-79ADA0A2161A}"/>
+                <a16:creationId xmlns:a16="http://schemas.microsoft.com/office/drawing/2014/main" xmlns="" id="{F13B93A3-3638-46BC-A917-79ADA0A2161A}"/>
               </a:ext>
             </a:extLst>
           </p:cNvPr>
@@ -1279,7 +1281,7 @@
           <p:cNvPr id="3" name="Объект 2">
             <a:extLst>
               <a:ext uri="{FF2B5EF4-FFF2-40B4-BE49-F238E27FC236}">
-                <a16:creationId xmlns="" xmlns:a16="http://schemas.microsoft.com/office/drawing/2014/main" id="{8E99FFAE-42E0-445D-9E31-E2B840A97B3A}"/>
+                <a16:creationId xmlns:a16="http://schemas.microsoft.com/office/drawing/2014/main" xmlns="" id="{8E99FFAE-42E0-445D-9E31-E2B840A97B3A}"/>
               </a:ext>
             </a:extLst>
           </p:cNvPr>
@@ -1341,7 +1343,7 @@
           <p:cNvPr id="4" name="Объект 3">
             <a:extLst>
               <a:ext uri="{FF2B5EF4-FFF2-40B4-BE49-F238E27FC236}">
-                <a16:creationId xmlns="" xmlns:a16="http://schemas.microsoft.com/office/drawing/2014/main" id="{669E154F-F235-4D82-ABD7-FEBEA336D6E1}"/>
+                <a16:creationId xmlns:a16="http://schemas.microsoft.com/office/drawing/2014/main" xmlns="" id="{669E154F-F235-4D82-ABD7-FEBEA336D6E1}"/>
               </a:ext>
             </a:extLst>
           </p:cNvPr>
@@ -1403,7 +1405,7 @@
           <p:cNvPr id="5" name="Дата 4">
             <a:extLst>
               <a:ext uri="{FF2B5EF4-FFF2-40B4-BE49-F238E27FC236}">
-                <a16:creationId xmlns="" xmlns:a16="http://schemas.microsoft.com/office/drawing/2014/main" id="{C49361E3-48ED-4B06-9006-EF64797475D2}"/>
+                <a16:creationId xmlns:a16="http://schemas.microsoft.com/office/drawing/2014/main" xmlns="" id="{C49361E3-48ED-4B06-9006-EF64797475D2}"/>
               </a:ext>
             </a:extLst>
           </p:cNvPr>
@@ -1422,7 +1424,7 @@
             <a:fld id="{3E0DEFAB-D35C-4B57-993C-3B0C99F1DFFF}" type="datetimeFigureOut">
               <a:rPr lang="ru-RU" smtClean="0"/>
               <a:pPr/>
-              <a:t>05.06.2025</a:t>
+              <a:t>24.06.2025</a:t>
             </a:fld>
             <a:endParaRPr lang="ru-RU"/>
           </a:p>
@@ -1433,7 +1435,7 @@
           <p:cNvPr id="6" name="Нижний колонтитул 5">
             <a:extLst>
               <a:ext uri="{FF2B5EF4-FFF2-40B4-BE49-F238E27FC236}">
-                <a16:creationId xmlns="" xmlns:a16="http://schemas.microsoft.com/office/drawing/2014/main" id="{DEA5A652-616C-4981-B2C4-FAB312538F29}"/>
+                <a16:creationId xmlns:a16="http://schemas.microsoft.com/office/drawing/2014/main" xmlns="" id="{DEA5A652-616C-4981-B2C4-FAB312538F29}"/>
               </a:ext>
             </a:extLst>
           </p:cNvPr>
@@ -1458,7 +1460,7 @@
           <p:cNvPr id="7" name="Номер слайда 6">
             <a:extLst>
               <a:ext uri="{FF2B5EF4-FFF2-40B4-BE49-F238E27FC236}">
-                <a16:creationId xmlns="" xmlns:a16="http://schemas.microsoft.com/office/drawing/2014/main" id="{718D78E4-A9ED-4E04-AFA7-37FC99AFFD88}"/>
+                <a16:creationId xmlns:a16="http://schemas.microsoft.com/office/drawing/2014/main" xmlns="" id="{718D78E4-A9ED-4E04-AFA7-37FC99AFFD88}"/>
               </a:ext>
             </a:extLst>
           </p:cNvPr>
@@ -1486,7 +1488,7 @@
     </p:spTree>
     <p:extLst>
       <p:ext uri="{BB962C8B-B14F-4D97-AF65-F5344CB8AC3E}">
-        <p14:creationId xmlns="" xmlns:p14="http://schemas.microsoft.com/office/powerpoint/2010/main" val="397591411"/>
+        <p14:creationId xmlns:p14="http://schemas.microsoft.com/office/powerpoint/2010/main" xmlns="" val="397591411"/>
       </p:ext>
     </p:extLst>
   </p:cSld>
@@ -1518,7 +1520,7 @@
           <p:cNvPr id="2" name="Заголовок 1">
             <a:extLst>
               <a:ext uri="{FF2B5EF4-FFF2-40B4-BE49-F238E27FC236}">
-                <a16:creationId xmlns="" xmlns:a16="http://schemas.microsoft.com/office/drawing/2014/main" id="{D638EC4A-7DA2-4610-A5F1-29DB149AB8C0}"/>
+                <a16:creationId xmlns:a16="http://schemas.microsoft.com/office/drawing/2014/main" xmlns="" id="{D638EC4A-7DA2-4610-A5F1-29DB149AB8C0}"/>
               </a:ext>
             </a:extLst>
           </p:cNvPr>
@@ -1551,7 +1553,7 @@
           <p:cNvPr id="3" name="Текст 2">
             <a:extLst>
               <a:ext uri="{FF2B5EF4-FFF2-40B4-BE49-F238E27FC236}">
-                <a16:creationId xmlns="" xmlns:a16="http://schemas.microsoft.com/office/drawing/2014/main" id="{A8B1CE80-56D8-4BCD-BF91-A11CB6AB830F}"/>
+                <a16:creationId xmlns:a16="http://schemas.microsoft.com/office/drawing/2014/main" xmlns="" id="{A8B1CE80-56D8-4BCD-BF91-A11CB6AB830F}"/>
               </a:ext>
             </a:extLst>
           </p:cNvPr>
@@ -1622,7 +1624,7 @@
           <p:cNvPr id="4" name="Объект 3">
             <a:extLst>
               <a:ext uri="{FF2B5EF4-FFF2-40B4-BE49-F238E27FC236}">
-                <a16:creationId xmlns="" xmlns:a16="http://schemas.microsoft.com/office/drawing/2014/main" id="{B9FB75AA-23BC-44C6-B004-83F410DA278E}"/>
+                <a16:creationId xmlns:a16="http://schemas.microsoft.com/office/drawing/2014/main" xmlns="" id="{B9FB75AA-23BC-44C6-B004-83F410DA278E}"/>
               </a:ext>
             </a:extLst>
           </p:cNvPr>
@@ -1684,7 +1686,7 @@
           <p:cNvPr id="5" name="Текст 4">
             <a:extLst>
               <a:ext uri="{FF2B5EF4-FFF2-40B4-BE49-F238E27FC236}">
-                <a16:creationId xmlns="" xmlns:a16="http://schemas.microsoft.com/office/drawing/2014/main" id="{B3FC1456-C03A-40BA-A60B-FB118299DC72}"/>
+                <a16:creationId xmlns:a16="http://schemas.microsoft.com/office/drawing/2014/main" xmlns="" id="{B3FC1456-C03A-40BA-A60B-FB118299DC72}"/>
               </a:ext>
             </a:extLst>
           </p:cNvPr>
@@ -1755,7 +1757,7 @@
           <p:cNvPr id="6" name="Объект 5">
             <a:extLst>
               <a:ext uri="{FF2B5EF4-FFF2-40B4-BE49-F238E27FC236}">
-                <a16:creationId xmlns="" xmlns:a16="http://schemas.microsoft.com/office/drawing/2014/main" id="{31E4F52D-7DED-47B7-A243-82EA37054D87}"/>
+                <a16:creationId xmlns:a16="http://schemas.microsoft.com/office/drawing/2014/main" xmlns="" id="{31E4F52D-7DED-47B7-A243-82EA37054D87}"/>
               </a:ext>
             </a:extLst>
           </p:cNvPr>
@@ -1817,7 +1819,7 @@
           <p:cNvPr id="7" name="Дата 6">
             <a:extLst>
               <a:ext uri="{FF2B5EF4-FFF2-40B4-BE49-F238E27FC236}">
-                <a16:creationId xmlns="" xmlns:a16="http://schemas.microsoft.com/office/drawing/2014/main" id="{DB0C807D-7549-4CA4-873F-C9F7DE77E6F3}"/>
+                <a16:creationId xmlns:a16="http://schemas.microsoft.com/office/drawing/2014/main" xmlns="" id="{DB0C807D-7549-4CA4-873F-C9F7DE77E6F3}"/>
               </a:ext>
             </a:extLst>
           </p:cNvPr>
@@ -1836,7 +1838,7 @@
             <a:fld id="{3E0DEFAB-D35C-4B57-993C-3B0C99F1DFFF}" type="datetimeFigureOut">
               <a:rPr lang="ru-RU" smtClean="0"/>
               <a:pPr/>
-              <a:t>05.06.2025</a:t>
+              <a:t>24.06.2025</a:t>
             </a:fld>
             <a:endParaRPr lang="ru-RU"/>
           </a:p>
@@ -1847,7 +1849,7 @@
           <p:cNvPr id="8" name="Нижний колонтитул 7">
             <a:extLst>
               <a:ext uri="{FF2B5EF4-FFF2-40B4-BE49-F238E27FC236}">
-                <a16:creationId xmlns="" xmlns:a16="http://schemas.microsoft.com/office/drawing/2014/main" id="{8DE17B0A-3DBA-4278-95B7-64DCFE3EAAC7}"/>
+                <a16:creationId xmlns:a16="http://schemas.microsoft.com/office/drawing/2014/main" xmlns="" id="{8DE17B0A-3DBA-4278-95B7-64DCFE3EAAC7}"/>
               </a:ext>
             </a:extLst>
           </p:cNvPr>
@@ -1872,7 +1874,7 @@
           <p:cNvPr id="9" name="Номер слайда 8">
             <a:extLst>
               <a:ext uri="{FF2B5EF4-FFF2-40B4-BE49-F238E27FC236}">
-                <a16:creationId xmlns="" xmlns:a16="http://schemas.microsoft.com/office/drawing/2014/main" id="{35D2EE8C-D367-4D62-B602-07BAF01F0897}"/>
+                <a16:creationId xmlns:a16="http://schemas.microsoft.com/office/drawing/2014/main" xmlns="" id="{35D2EE8C-D367-4D62-B602-07BAF01F0897}"/>
               </a:ext>
             </a:extLst>
           </p:cNvPr>
@@ -1900,7 +1902,7 @@
     </p:spTree>
     <p:extLst>
       <p:ext uri="{BB962C8B-B14F-4D97-AF65-F5344CB8AC3E}">
-        <p14:creationId xmlns="" xmlns:p14="http://schemas.microsoft.com/office/powerpoint/2010/main" val="799564287"/>
+        <p14:creationId xmlns:p14="http://schemas.microsoft.com/office/powerpoint/2010/main" xmlns="" val="799564287"/>
       </p:ext>
     </p:extLst>
   </p:cSld>
@@ -1932,7 +1934,7 @@
           <p:cNvPr id="2" name="Заголовок 1">
             <a:extLst>
               <a:ext uri="{FF2B5EF4-FFF2-40B4-BE49-F238E27FC236}">
-                <a16:creationId xmlns="" xmlns:a16="http://schemas.microsoft.com/office/drawing/2014/main" id="{4A4527C9-2916-4E32-9E72-1885D632F64C}"/>
+                <a16:creationId xmlns:a16="http://schemas.microsoft.com/office/drawing/2014/main" xmlns="" id="{4A4527C9-2916-4E32-9E72-1885D632F64C}"/>
               </a:ext>
             </a:extLst>
           </p:cNvPr>
@@ -1960,7 +1962,7 @@
           <p:cNvPr id="3" name="Дата 2">
             <a:extLst>
               <a:ext uri="{FF2B5EF4-FFF2-40B4-BE49-F238E27FC236}">
-                <a16:creationId xmlns="" xmlns:a16="http://schemas.microsoft.com/office/drawing/2014/main" id="{1E1FF32D-BD90-4BFB-9CB9-EDF1B6016BE9}"/>
+                <a16:creationId xmlns:a16="http://schemas.microsoft.com/office/drawing/2014/main" xmlns="" id="{1E1FF32D-BD90-4BFB-9CB9-EDF1B6016BE9}"/>
               </a:ext>
             </a:extLst>
           </p:cNvPr>
@@ -1979,7 +1981,7 @@
             <a:fld id="{3E0DEFAB-D35C-4B57-993C-3B0C99F1DFFF}" type="datetimeFigureOut">
               <a:rPr lang="ru-RU" smtClean="0"/>
               <a:pPr/>
-              <a:t>05.06.2025</a:t>
+              <a:t>24.06.2025</a:t>
             </a:fld>
             <a:endParaRPr lang="ru-RU"/>
           </a:p>
@@ -1990,7 +1992,7 @@
           <p:cNvPr id="4" name="Нижний колонтитул 3">
             <a:extLst>
               <a:ext uri="{FF2B5EF4-FFF2-40B4-BE49-F238E27FC236}">
-                <a16:creationId xmlns="" xmlns:a16="http://schemas.microsoft.com/office/drawing/2014/main" id="{45DEA947-9F5F-4EA1-B474-8D18F0D8DB30}"/>
+                <a16:creationId xmlns:a16="http://schemas.microsoft.com/office/drawing/2014/main" xmlns="" id="{45DEA947-9F5F-4EA1-B474-8D18F0D8DB30}"/>
               </a:ext>
             </a:extLst>
           </p:cNvPr>
@@ -2015,7 +2017,7 @@
           <p:cNvPr id="5" name="Номер слайда 4">
             <a:extLst>
               <a:ext uri="{FF2B5EF4-FFF2-40B4-BE49-F238E27FC236}">
-                <a16:creationId xmlns="" xmlns:a16="http://schemas.microsoft.com/office/drawing/2014/main" id="{82E99C2D-4FDF-46BA-9D2B-D2AC88C824EB}"/>
+                <a16:creationId xmlns:a16="http://schemas.microsoft.com/office/drawing/2014/main" xmlns="" id="{82E99C2D-4FDF-46BA-9D2B-D2AC88C824EB}"/>
               </a:ext>
             </a:extLst>
           </p:cNvPr>
@@ -2043,7 +2045,7 @@
     </p:spTree>
     <p:extLst>
       <p:ext uri="{BB962C8B-B14F-4D97-AF65-F5344CB8AC3E}">
-        <p14:creationId xmlns="" xmlns:p14="http://schemas.microsoft.com/office/powerpoint/2010/main" val="1610212149"/>
+        <p14:creationId xmlns:p14="http://schemas.microsoft.com/office/powerpoint/2010/main" xmlns="" val="1610212149"/>
       </p:ext>
     </p:extLst>
   </p:cSld>
@@ -2075,7 +2077,7 @@
           <p:cNvPr id="2" name="Дата 1">
             <a:extLst>
               <a:ext uri="{FF2B5EF4-FFF2-40B4-BE49-F238E27FC236}">
-                <a16:creationId xmlns="" xmlns:a16="http://schemas.microsoft.com/office/drawing/2014/main" id="{FFECC2E5-78D9-4861-A077-9EF28C1A782B}"/>
+                <a16:creationId xmlns:a16="http://schemas.microsoft.com/office/drawing/2014/main" xmlns="" id="{FFECC2E5-78D9-4861-A077-9EF28C1A782B}"/>
               </a:ext>
             </a:extLst>
           </p:cNvPr>
@@ -2094,7 +2096,7 @@
             <a:fld id="{3E0DEFAB-D35C-4B57-993C-3B0C99F1DFFF}" type="datetimeFigureOut">
               <a:rPr lang="ru-RU" smtClean="0"/>
               <a:pPr/>
-              <a:t>05.06.2025</a:t>
+              <a:t>24.06.2025</a:t>
             </a:fld>
             <a:endParaRPr lang="ru-RU"/>
           </a:p>
@@ -2105,7 +2107,7 @@
           <p:cNvPr id="3" name="Нижний колонтитул 2">
             <a:extLst>
               <a:ext uri="{FF2B5EF4-FFF2-40B4-BE49-F238E27FC236}">
-                <a16:creationId xmlns="" xmlns:a16="http://schemas.microsoft.com/office/drawing/2014/main" id="{04BACB03-F2B2-4A9E-9E2A-33D710BAE341}"/>
+                <a16:creationId xmlns:a16="http://schemas.microsoft.com/office/drawing/2014/main" xmlns="" id="{04BACB03-F2B2-4A9E-9E2A-33D710BAE341}"/>
               </a:ext>
             </a:extLst>
           </p:cNvPr>
@@ -2130,7 +2132,7 @@
           <p:cNvPr id="4" name="Номер слайда 3">
             <a:extLst>
               <a:ext uri="{FF2B5EF4-FFF2-40B4-BE49-F238E27FC236}">
-                <a16:creationId xmlns="" xmlns:a16="http://schemas.microsoft.com/office/drawing/2014/main" id="{0F0C84CF-3FEF-4A5B-863C-83C8B6B9BD5B}"/>
+                <a16:creationId xmlns:a16="http://schemas.microsoft.com/office/drawing/2014/main" xmlns="" id="{0F0C84CF-3FEF-4A5B-863C-83C8B6B9BD5B}"/>
               </a:ext>
             </a:extLst>
           </p:cNvPr>
@@ -2158,7 +2160,7 @@
     </p:spTree>
     <p:extLst>
       <p:ext uri="{BB962C8B-B14F-4D97-AF65-F5344CB8AC3E}">
-        <p14:creationId xmlns="" xmlns:p14="http://schemas.microsoft.com/office/powerpoint/2010/main" val="2171554360"/>
+        <p14:creationId xmlns:p14="http://schemas.microsoft.com/office/powerpoint/2010/main" xmlns="" val="2171554360"/>
       </p:ext>
     </p:extLst>
   </p:cSld>
@@ -2190,7 +2192,7 @@
           <p:cNvPr id="2" name="Заголовок 1">
             <a:extLst>
               <a:ext uri="{FF2B5EF4-FFF2-40B4-BE49-F238E27FC236}">
-                <a16:creationId xmlns="" xmlns:a16="http://schemas.microsoft.com/office/drawing/2014/main" id="{4A8CFE1E-D28E-4751-971F-5AE4EBD600FC}"/>
+                <a16:creationId xmlns:a16="http://schemas.microsoft.com/office/drawing/2014/main" xmlns="" id="{4A8CFE1E-D28E-4751-971F-5AE4EBD600FC}"/>
               </a:ext>
             </a:extLst>
           </p:cNvPr>
@@ -2227,7 +2229,7 @@
           <p:cNvPr id="3" name="Объект 2">
             <a:extLst>
               <a:ext uri="{FF2B5EF4-FFF2-40B4-BE49-F238E27FC236}">
-                <a16:creationId xmlns="" xmlns:a16="http://schemas.microsoft.com/office/drawing/2014/main" id="{CB36A454-20F9-4E6B-9C7B-1F41B815A2DD}"/>
+                <a16:creationId xmlns:a16="http://schemas.microsoft.com/office/drawing/2014/main" xmlns="" id="{CB36A454-20F9-4E6B-9C7B-1F41B815A2DD}"/>
               </a:ext>
             </a:extLst>
           </p:cNvPr>
@@ -2317,7 +2319,7 @@
           <p:cNvPr id="4" name="Текст 3">
             <a:extLst>
               <a:ext uri="{FF2B5EF4-FFF2-40B4-BE49-F238E27FC236}">
-                <a16:creationId xmlns="" xmlns:a16="http://schemas.microsoft.com/office/drawing/2014/main" id="{2E0277D3-BF05-4D9D-BF42-D9E37D4F4426}"/>
+                <a16:creationId xmlns:a16="http://schemas.microsoft.com/office/drawing/2014/main" xmlns="" id="{2E0277D3-BF05-4D9D-BF42-D9E37D4F4426}"/>
               </a:ext>
             </a:extLst>
           </p:cNvPr>
@@ -2388,7 +2390,7 @@
           <p:cNvPr id="5" name="Дата 4">
             <a:extLst>
               <a:ext uri="{FF2B5EF4-FFF2-40B4-BE49-F238E27FC236}">
-                <a16:creationId xmlns="" xmlns:a16="http://schemas.microsoft.com/office/drawing/2014/main" id="{078A92EB-5AFD-4A93-9571-192231B274A4}"/>
+                <a16:creationId xmlns:a16="http://schemas.microsoft.com/office/drawing/2014/main" xmlns="" id="{078A92EB-5AFD-4A93-9571-192231B274A4}"/>
               </a:ext>
             </a:extLst>
           </p:cNvPr>
@@ -2407,7 +2409,7 @@
             <a:fld id="{3E0DEFAB-D35C-4B57-993C-3B0C99F1DFFF}" type="datetimeFigureOut">
               <a:rPr lang="ru-RU" smtClean="0"/>
               <a:pPr/>
-              <a:t>05.06.2025</a:t>
+              <a:t>24.06.2025</a:t>
             </a:fld>
             <a:endParaRPr lang="ru-RU"/>
           </a:p>
@@ -2418,7 +2420,7 @@
           <p:cNvPr id="6" name="Нижний колонтитул 5">
             <a:extLst>
               <a:ext uri="{FF2B5EF4-FFF2-40B4-BE49-F238E27FC236}">
-                <a16:creationId xmlns="" xmlns:a16="http://schemas.microsoft.com/office/drawing/2014/main" id="{8E746145-52A8-49B7-AAC0-8CBBABAF18C0}"/>
+                <a16:creationId xmlns:a16="http://schemas.microsoft.com/office/drawing/2014/main" xmlns="" id="{8E746145-52A8-49B7-AAC0-8CBBABAF18C0}"/>
               </a:ext>
             </a:extLst>
           </p:cNvPr>
@@ -2443,7 +2445,7 @@
           <p:cNvPr id="7" name="Номер слайда 6">
             <a:extLst>
               <a:ext uri="{FF2B5EF4-FFF2-40B4-BE49-F238E27FC236}">
-                <a16:creationId xmlns="" xmlns:a16="http://schemas.microsoft.com/office/drawing/2014/main" id="{439D347C-5C13-438C-9462-F76A6B9C5B33}"/>
+                <a16:creationId xmlns:a16="http://schemas.microsoft.com/office/drawing/2014/main" xmlns="" id="{439D347C-5C13-438C-9462-F76A6B9C5B33}"/>
               </a:ext>
             </a:extLst>
           </p:cNvPr>
@@ -2471,7 +2473,7 @@
     </p:spTree>
     <p:extLst>
       <p:ext uri="{BB962C8B-B14F-4D97-AF65-F5344CB8AC3E}">
-        <p14:creationId xmlns="" xmlns:p14="http://schemas.microsoft.com/office/powerpoint/2010/main" val="631194684"/>
+        <p14:creationId xmlns:p14="http://schemas.microsoft.com/office/powerpoint/2010/main" xmlns="" val="631194684"/>
       </p:ext>
     </p:extLst>
   </p:cSld>
@@ -2503,7 +2505,7 @@
           <p:cNvPr id="2" name="Заголовок 1">
             <a:extLst>
               <a:ext uri="{FF2B5EF4-FFF2-40B4-BE49-F238E27FC236}">
-                <a16:creationId xmlns="" xmlns:a16="http://schemas.microsoft.com/office/drawing/2014/main" id="{E0461A5A-6C26-452B-BFA7-120DBB1ED4CF}"/>
+                <a16:creationId xmlns:a16="http://schemas.microsoft.com/office/drawing/2014/main" xmlns="" id="{E0461A5A-6C26-452B-BFA7-120DBB1ED4CF}"/>
               </a:ext>
             </a:extLst>
           </p:cNvPr>
@@ -2540,7 +2542,7 @@
           <p:cNvPr id="3" name="Рисунок 2">
             <a:extLst>
               <a:ext uri="{FF2B5EF4-FFF2-40B4-BE49-F238E27FC236}">
-                <a16:creationId xmlns="" xmlns:a16="http://schemas.microsoft.com/office/drawing/2014/main" id="{E0A9F887-DF01-4F9A-997B-61D209B2823E}"/>
+                <a16:creationId xmlns:a16="http://schemas.microsoft.com/office/drawing/2014/main" xmlns="" id="{E0A9F887-DF01-4F9A-997B-61D209B2823E}"/>
               </a:ext>
             </a:extLst>
           </p:cNvPr>
@@ -2607,7 +2609,7 @@
           <p:cNvPr id="4" name="Текст 3">
             <a:extLst>
               <a:ext uri="{FF2B5EF4-FFF2-40B4-BE49-F238E27FC236}">
-                <a16:creationId xmlns="" xmlns:a16="http://schemas.microsoft.com/office/drawing/2014/main" id="{8A630A64-9CB6-4F37-BCB2-FE8371826D05}"/>
+                <a16:creationId xmlns:a16="http://schemas.microsoft.com/office/drawing/2014/main" xmlns="" id="{8A630A64-9CB6-4F37-BCB2-FE8371826D05}"/>
               </a:ext>
             </a:extLst>
           </p:cNvPr>
@@ -2678,7 +2680,7 @@
           <p:cNvPr id="5" name="Дата 4">
             <a:extLst>
               <a:ext uri="{FF2B5EF4-FFF2-40B4-BE49-F238E27FC236}">
-                <a16:creationId xmlns="" xmlns:a16="http://schemas.microsoft.com/office/drawing/2014/main" id="{C86A201D-3C0D-483E-ADB8-76184EA5BD43}"/>
+                <a16:creationId xmlns:a16="http://schemas.microsoft.com/office/drawing/2014/main" xmlns="" id="{C86A201D-3C0D-483E-ADB8-76184EA5BD43}"/>
               </a:ext>
             </a:extLst>
           </p:cNvPr>
@@ -2697,7 +2699,7 @@
             <a:fld id="{3E0DEFAB-D35C-4B57-993C-3B0C99F1DFFF}" type="datetimeFigureOut">
               <a:rPr lang="ru-RU" smtClean="0"/>
               <a:pPr/>
-              <a:t>05.06.2025</a:t>
+              <a:t>24.06.2025</a:t>
             </a:fld>
             <a:endParaRPr lang="ru-RU"/>
           </a:p>
@@ -2708,7 +2710,7 @@
           <p:cNvPr id="6" name="Нижний колонтитул 5">
             <a:extLst>
               <a:ext uri="{FF2B5EF4-FFF2-40B4-BE49-F238E27FC236}">
-                <a16:creationId xmlns="" xmlns:a16="http://schemas.microsoft.com/office/drawing/2014/main" id="{3F1A271A-397C-4F34-A98F-A42183DFD293}"/>
+                <a16:creationId xmlns:a16="http://schemas.microsoft.com/office/drawing/2014/main" xmlns="" id="{3F1A271A-397C-4F34-A98F-A42183DFD293}"/>
               </a:ext>
             </a:extLst>
           </p:cNvPr>
@@ -2733,7 +2735,7 @@
           <p:cNvPr id="7" name="Номер слайда 6">
             <a:extLst>
               <a:ext uri="{FF2B5EF4-FFF2-40B4-BE49-F238E27FC236}">
-                <a16:creationId xmlns="" xmlns:a16="http://schemas.microsoft.com/office/drawing/2014/main" id="{834015DC-BBF0-407B-8710-415628F12756}"/>
+                <a16:creationId xmlns:a16="http://schemas.microsoft.com/office/drawing/2014/main" xmlns="" id="{834015DC-BBF0-407B-8710-415628F12756}"/>
               </a:ext>
             </a:extLst>
           </p:cNvPr>
@@ -2761,7 +2763,7 @@
     </p:spTree>
     <p:extLst>
       <p:ext uri="{BB962C8B-B14F-4D97-AF65-F5344CB8AC3E}">
-        <p14:creationId xmlns="" xmlns:p14="http://schemas.microsoft.com/office/powerpoint/2010/main" val="8126315"/>
+        <p14:creationId xmlns:p14="http://schemas.microsoft.com/office/powerpoint/2010/main" xmlns="" val="8126315"/>
       </p:ext>
     </p:extLst>
   </p:cSld>
@@ -2798,7 +2800,7 @@
           <p:cNvPr id="2" name="Заголовок 1">
             <a:extLst>
               <a:ext uri="{FF2B5EF4-FFF2-40B4-BE49-F238E27FC236}">
-                <a16:creationId xmlns="" xmlns:a16="http://schemas.microsoft.com/office/drawing/2014/main" id="{B7B12EA1-A6F1-48D4-ACA4-D8A9F294C69A}"/>
+                <a16:creationId xmlns:a16="http://schemas.microsoft.com/office/drawing/2014/main" xmlns="" id="{B7B12EA1-A6F1-48D4-ACA4-D8A9F294C69A}"/>
               </a:ext>
             </a:extLst>
           </p:cNvPr>
@@ -2836,7 +2838,7 @@
           <p:cNvPr id="3" name="Текст 2">
             <a:extLst>
               <a:ext uri="{FF2B5EF4-FFF2-40B4-BE49-F238E27FC236}">
-                <a16:creationId xmlns="" xmlns:a16="http://schemas.microsoft.com/office/drawing/2014/main" id="{687CB00D-2A2E-4CDB-B78B-C225AB064240}"/>
+                <a16:creationId xmlns:a16="http://schemas.microsoft.com/office/drawing/2014/main" xmlns="" id="{687CB00D-2A2E-4CDB-B78B-C225AB064240}"/>
               </a:ext>
             </a:extLst>
           </p:cNvPr>
@@ -2903,7 +2905,7 @@
           <p:cNvPr id="4" name="Дата 3">
             <a:extLst>
               <a:ext uri="{FF2B5EF4-FFF2-40B4-BE49-F238E27FC236}">
-                <a16:creationId xmlns="" xmlns:a16="http://schemas.microsoft.com/office/drawing/2014/main" id="{5DE07FDA-D566-403C-94C8-E58E14EA0878}"/>
+                <a16:creationId xmlns:a16="http://schemas.microsoft.com/office/drawing/2014/main" xmlns="" id="{5DE07FDA-D566-403C-94C8-E58E14EA0878}"/>
               </a:ext>
             </a:extLst>
           </p:cNvPr>
@@ -2940,7 +2942,7 @@
             <a:fld id="{3E0DEFAB-D35C-4B57-993C-3B0C99F1DFFF}" type="datetimeFigureOut">
               <a:rPr lang="ru-RU" smtClean="0"/>
               <a:pPr/>
-              <a:t>05.06.2025</a:t>
+              <a:t>24.06.2025</a:t>
             </a:fld>
             <a:endParaRPr lang="ru-RU"/>
           </a:p>
@@ -2951,7 +2953,7 @@
           <p:cNvPr id="5" name="Нижний колонтитул 4">
             <a:extLst>
               <a:ext uri="{FF2B5EF4-FFF2-40B4-BE49-F238E27FC236}">
-                <a16:creationId xmlns="" xmlns:a16="http://schemas.microsoft.com/office/drawing/2014/main" id="{AB336273-2D5F-422D-B47F-6DF070841739}"/>
+                <a16:creationId xmlns:a16="http://schemas.microsoft.com/office/drawing/2014/main" xmlns="" id="{AB336273-2D5F-422D-B47F-6DF070841739}"/>
               </a:ext>
             </a:extLst>
           </p:cNvPr>
@@ -2994,7 +2996,7 @@
           <p:cNvPr id="6" name="Номер слайда 5">
             <a:extLst>
               <a:ext uri="{FF2B5EF4-FFF2-40B4-BE49-F238E27FC236}">
-                <a16:creationId xmlns="" xmlns:a16="http://schemas.microsoft.com/office/drawing/2014/main" id="{A03A8733-3080-494F-A181-914A465BC328}"/>
+                <a16:creationId xmlns:a16="http://schemas.microsoft.com/office/drawing/2014/main" xmlns="" id="{A03A8733-3080-494F-A181-914A465BC328}"/>
               </a:ext>
             </a:extLst>
           </p:cNvPr>
@@ -3040,7 +3042,7 @@
     </p:spTree>
     <p:extLst>
       <p:ext uri="{BB962C8B-B14F-4D97-AF65-F5344CB8AC3E}">
-        <p14:creationId xmlns="" xmlns:p14="http://schemas.microsoft.com/office/powerpoint/2010/main" val="972259049"/>
+        <p14:creationId xmlns:p14="http://schemas.microsoft.com/office/powerpoint/2010/main" xmlns="" val="972259049"/>
       </p:ext>
     </p:extLst>
   </p:cSld>
@@ -3363,7 +3365,7 @@
           <p:cNvPr id="2" name="Заголовок 1">
             <a:extLst>
               <a:ext uri="{FF2B5EF4-FFF2-40B4-BE49-F238E27FC236}">
-                <a16:creationId xmlns="" xmlns:a16="http://schemas.microsoft.com/office/drawing/2014/main" id="{E860EFB2-3EBE-42D9-B824-67577249D973}"/>
+                <a16:creationId xmlns:a16="http://schemas.microsoft.com/office/drawing/2014/main" xmlns="" id="{E860EFB2-3EBE-42D9-B824-67577249D973}"/>
               </a:ext>
             </a:extLst>
           </p:cNvPr>
@@ -3399,7 +3401,7 @@
           <p:cNvPr id="3" name="Подзаголовок 2">
             <a:extLst>
               <a:ext uri="{FF2B5EF4-FFF2-40B4-BE49-F238E27FC236}">
-                <a16:creationId xmlns="" xmlns:a16="http://schemas.microsoft.com/office/drawing/2014/main" id="{4D7C614F-C1DB-436B-9C36-47308CB5C143}"/>
+                <a16:creationId xmlns:a16="http://schemas.microsoft.com/office/drawing/2014/main" xmlns="" id="{4D7C614F-C1DB-436B-9C36-47308CB5C143}"/>
               </a:ext>
             </a:extLst>
           </p:cNvPr>
@@ -3412,8 +3414,8 @@
         </p:nvSpPr>
         <p:spPr>
           <a:xfrm>
-            <a:off x="4159623" y="5049740"/>
-            <a:ext cx="9144000" cy="1655762"/>
+            <a:off x="4977205" y="5028224"/>
+            <a:ext cx="7544697" cy="888483"/>
           </a:xfrm>
         </p:spPr>
         <p:txBody>
@@ -3423,8 +3425,12 @@
           <a:lstStyle/>
           <a:p>
             <a:r>
+              <a:rPr lang="ru-RU" dirty="0" smtClean="0"/>
+              <a:t>Работу выполнил</a:t>
+            </a:r>
+            <a:r>
               <a:rPr lang="ru-RU" dirty="0"/>
-              <a:t>Выполнил: </a:t>
+              <a:t>: </a:t>
             </a:r>
             <a:r>
               <a:rPr lang="ru-RU" dirty="0" smtClean="0"/>
@@ -3435,8 +3441,24 @@
           <a:p>
             <a:r>
               <a:rPr lang="ru-RU" dirty="0"/>
-              <a:t>                              Группа: ИСП-421ИС</a:t>
-            </a:r>
+              <a:t>                            </a:t>
+            </a:r>
+            <a:r>
+              <a:rPr lang="ru-RU" dirty="0" smtClean="0"/>
+              <a:t>	        Группа</a:t>
+            </a:r>
+            <a:r>
+              <a:rPr lang="ru-RU" dirty="0"/>
+              <a:t>: </a:t>
+            </a:r>
+            <a:r>
+              <a:rPr lang="ru-RU" dirty="0" smtClean="0"/>
+              <a:t>ИСП-421ИС</a:t>
+            </a:r>
+            <a:endParaRPr lang="ru-RU" dirty="0"/>
+          </a:p>
+          <a:p>
+            <a:endParaRPr lang="ru-RU" dirty="0" smtClean="0"/>
           </a:p>
         </p:txBody>
       </p:sp>
@@ -3445,7 +3467,7 @@
           <p:cNvPr id="5" name="Подзаголовок 2">
             <a:extLst>
               <a:ext uri="{FF2B5EF4-FFF2-40B4-BE49-F238E27FC236}">
-                <a16:creationId xmlns="" xmlns:a16="http://schemas.microsoft.com/office/drawing/2014/main" id="{7581B6DC-12AD-414B-8441-5E246B37C8B2}"/>
+                <a16:creationId xmlns:a16="http://schemas.microsoft.com/office/drawing/2014/main" xmlns="" id="{7581B6DC-12AD-414B-8441-5E246B37C8B2}"/>
               </a:ext>
             </a:extLst>
           </p:cNvPr>
@@ -3641,7 +3663,7 @@
           <p:cNvPr id="6" name="Подзаголовок 2">
             <a:extLst>
               <a:ext uri="{FF2B5EF4-FFF2-40B4-BE49-F238E27FC236}">
-                <a16:creationId xmlns="" xmlns:a16="http://schemas.microsoft.com/office/drawing/2014/main" id="{CE0DF726-34BD-45CC-AF4A-04AC6C4D8E32}"/>
+                <a16:creationId xmlns:a16="http://schemas.microsoft.com/office/drawing/2014/main" xmlns="" id="{CE0DF726-34BD-45CC-AF4A-04AC6C4D8E32}"/>
               </a:ext>
             </a:extLst>
           </p:cNvPr>
@@ -3834,10 +3856,176 @@
       </p:sp>
       <p:sp>
         <p:nvSpPr>
-          <p:cNvPr id="7" name="TextBox 6">
-            <a:extLst>
-              <a:ext uri="{FF2B5EF4-FFF2-40B4-BE49-F238E27FC236}">
-                <a16:creationId xmlns="" xmlns:a16="http://schemas.microsoft.com/office/drawing/2014/main" id="{28AF6322-D2E7-45CC-8AC7-080299EAB4E8}"/>
+          <p:cNvPr id="9" name="Подзаголовок 2">
+            <a:extLst>
+              <a:ext uri="{FF2B5EF4-FFF2-40B4-BE49-F238E27FC236}">
+                <a16:creationId xmlns:a16="http://schemas.microsoft.com/office/drawing/2014/main" xmlns="" id="{4D7C614F-C1DB-436B-9C36-47308CB5C143}"/>
+              </a:ext>
+            </a:extLst>
+          </p:cNvPr>
+          <p:cNvSpPr txBox="1">
+            <a:spLocks/>
+          </p:cNvSpPr>
+          <p:nvPr/>
+        </p:nvSpPr>
+        <p:spPr>
+          <a:xfrm>
+            <a:off x="4754892" y="5955175"/>
+            <a:ext cx="7207622" cy="714567"/>
+          </a:xfrm>
+          <a:prstGeom prst="rect">
+            <a:avLst/>
+          </a:prstGeom>
+        </p:spPr>
+        <p:txBody>
+          <a:bodyPr vert="horz" lIns="91440" tIns="45720" rIns="91440" bIns="45720" rtlCol="0">
+            <a:noAutofit/>
+          </a:bodyPr>
+          <a:lstStyle/>
+          <a:p>
+            <a:pPr marL="0" marR="0" lvl="0" indent="0" algn="ctr" defTabSz="914400" rtl="0" eaLnBrk="1" fontAlgn="auto" latinLnBrk="0" hangingPunct="1">
+              <a:lnSpc>
+                <a:spcPct val="90000"/>
+              </a:lnSpc>
+              <a:spcBef>
+                <a:spcPts val="1000"/>
+              </a:spcBef>
+              <a:spcAft>
+                <a:spcPts val="0"/>
+              </a:spcAft>
+              <a:buClrTx/>
+              <a:buSzTx/>
+              <a:buFont typeface="Arial" panose="020B0604020202020204" pitchFamily="34" charset="0"/>
+              <a:buNone/>
+              <a:tabLst/>
+              <a:defRPr/>
+            </a:pPr>
+            <a:r>
+              <a:rPr kumimoji="0" lang="ru-RU" sz="2400" b="0" i="0" u="none" strike="noStrike" kern="1200" cap="none" spc="0" normalizeH="0" baseline="0" noProof="0" dirty="0" smtClean="0">
+                <a:ln>
+                  <a:noFill/>
+                </a:ln>
+                <a:solidFill>
+                  <a:schemeClr val="tx1"/>
+                </a:solidFill>
+                <a:effectLst/>
+                <a:uLnTx/>
+                <a:uFillTx/>
+                <a:latin typeface="+mn-lt"/>
+                <a:ea typeface="+mn-ea"/>
+                <a:cs typeface="+mn-cs"/>
+              </a:rPr>
+              <a:t>Научный руководитель: Ананьин</a:t>
+            </a:r>
+            <a:r>
+              <a:rPr kumimoji="0" lang="ru-RU" sz="2400" b="0" i="0" u="none" strike="noStrike" kern="1200" cap="none" spc="0" normalizeH="0" noProof="0" dirty="0" smtClean="0">
+                <a:ln>
+                  <a:noFill/>
+                </a:ln>
+                <a:solidFill>
+                  <a:schemeClr val="tx1"/>
+                </a:solidFill>
+                <a:effectLst/>
+                <a:uLnTx/>
+                <a:uFillTx/>
+                <a:latin typeface="+mn-lt"/>
+                <a:ea typeface="+mn-ea"/>
+                <a:cs typeface="+mn-cs"/>
+              </a:rPr>
+              <a:t> Егор Михайлович</a:t>
+            </a:r>
+            <a:endParaRPr kumimoji="0" lang="ru-RU" sz="2400" b="0" i="0" u="none" strike="noStrike" kern="1200" cap="none" spc="0" normalizeH="0" baseline="0" noProof="0" dirty="0" smtClean="0">
+              <a:ln>
+                <a:noFill/>
+              </a:ln>
+              <a:solidFill>
+                <a:schemeClr val="tx1"/>
+              </a:solidFill>
+              <a:effectLst/>
+              <a:uLnTx/>
+              <a:uFillTx/>
+              <a:latin typeface="+mn-lt"/>
+              <a:ea typeface="+mn-ea"/>
+              <a:cs typeface="+mn-cs"/>
+            </a:endParaRPr>
+          </a:p>
+          <a:p>
+            <a:pPr marL="0" marR="0" lvl="0" indent="0" algn="ctr" defTabSz="914400" rtl="0" eaLnBrk="1" fontAlgn="auto" latinLnBrk="0" hangingPunct="1">
+              <a:lnSpc>
+                <a:spcPct val="90000"/>
+              </a:lnSpc>
+              <a:spcBef>
+                <a:spcPts val="1000"/>
+              </a:spcBef>
+              <a:spcAft>
+                <a:spcPts val="0"/>
+              </a:spcAft>
+              <a:buClrTx/>
+              <a:buSzTx/>
+              <a:buFont typeface="Arial" panose="020B0604020202020204" pitchFamily="34" charset="0"/>
+              <a:buNone/>
+              <a:tabLst/>
+              <a:defRPr/>
+            </a:pPr>
+            <a:r>
+              <a:rPr kumimoji="0" lang="ru-RU" sz="2400" b="0" i="0" u="none" strike="noStrike" kern="1200" cap="none" spc="0" normalizeH="0" baseline="0" noProof="0" dirty="0" smtClean="0">
+                <a:ln>
+                  <a:noFill/>
+                </a:ln>
+                <a:solidFill>
+                  <a:schemeClr val="tx1"/>
+                </a:solidFill>
+                <a:effectLst/>
+                <a:uLnTx/>
+                <a:uFillTx/>
+                <a:latin typeface="+mn-lt"/>
+                <a:ea typeface="+mn-ea"/>
+                <a:cs typeface="+mn-cs"/>
+              </a:rPr>
+              <a:t>                             </a:t>
+            </a:r>
+          </a:p>
+          <a:p>
+            <a:pPr marL="0" marR="0" lvl="0" indent="0" algn="ctr" defTabSz="914400" rtl="0" eaLnBrk="1" fontAlgn="auto" latinLnBrk="0" hangingPunct="1">
+              <a:lnSpc>
+                <a:spcPct val="90000"/>
+              </a:lnSpc>
+              <a:spcBef>
+                <a:spcPts val="1000"/>
+              </a:spcBef>
+              <a:spcAft>
+                <a:spcPts val="0"/>
+              </a:spcAft>
+              <a:buClrTx/>
+              <a:buSzTx/>
+              <a:buFont typeface="Arial" panose="020B0604020202020204" pitchFamily="34" charset="0"/>
+              <a:buNone/>
+              <a:tabLst/>
+              <a:defRPr/>
+            </a:pPr>
+            <a:endParaRPr kumimoji="0" lang="ru-RU" sz="2400" b="0" i="0" u="none" strike="noStrike" kern="1200" cap="none" spc="0" normalizeH="0" baseline="0" noProof="0" dirty="0" smtClean="0">
+              <a:ln>
+                <a:noFill/>
+              </a:ln>
+              <a:solidFill>
+                <a:schemeClr val="tx1"/>
+              </a:solidFill>
+              <a:effectLst/>
+              <a:uLnTx/>
+              <a:uFillTx/>
+              <a:latin typeface="+mn-lt"/>
+              <a:ea typeface="+mn-ea"/>
+              <a:cs typeface="+mn-cs"/>
+            </a:endParaRPr>
+          </a:p>
+        </p:txBody>
+      </p:sp>
+      <p:sp>
+        <p:nvSpPr>
+          <p:cNvPr id="8" name="TextBox 7">
+            <a:extLst>
+              <a:ext uri="{FF2B5EF4-FFF2-40B4-BE49-F238E27FC236}">
+                <a16:creationId xmlns:a16="http://schemas.microsoft.com/office/drawing/2014/main" xmlns="" id="{0EEAA890-5938-4B74-8DB2-8E2925628BF3}"/>
               </a:ext>
             </a:extLst>
           </p:cNvPr>
@@ -3846,8 +4034,8 @@
         </p:nvSpPr>
         <p:spPr>
           <a:xfrm>
-            <a:off x="3059405" y="505896"/>
-            <a:ext cx="6073190" cy="369332"/>
+            <a:off x="2813454" y="261019"/>
+            <a:ext cx="7121236" cy="1292662"/>
           </a:xfrm>
           <a:prstGeom prst="rect">
             <a:avLst/>
@@ -3860,17 +4048,1008 @@
           </a:bodyPr>
           <a:lstStyle/>
           <a:p>
-            <a:r>
-              <a:rPr lang="ru-RU" dirty="0"/>
-              <a:t>Вологодский колледж связи и информационных технологий</a:t>
-            </a:r>
-          </a:p>
-        </p:txBody>
-      </p:sp>
+            <a:pPr algn="ctr"/>
+            <a:r>
+              <a:rPr lang="ru-RU" sz="2000" dirty="0">
+                <a:latin typeface="Times New Roman" pitchFamily="18" charset="0"/>
+                <a:cs typeface="Times New Roman" pitchFamily="18" charset="0"/>
+              </a:rPr>
+              <a:t>автономное профессиональное образовательное учреждение </a:t>
+            </a:r>
+            <a:br>
+              <a:rPr lang="ru-RU" sz="2000" dirty="0">
+                <a:latin typeface="Times New Roman" pitchFamily="18" charset="0"/>
+                <a:cs typeface="Times New Roman" pitchFamily="18" charset="0"/>
+              </a:rPr>
+            </a:br>
+            <a:r>
+              <a:rPr lang="ru-RU" sz="2000" dirty="0">
+                <a:latin typeface="Times New Roman" pitchFamily="18" charset="0"/>
+                <a:cs typeface="Times New Roman" pitchFamily="18" charset="0"/>
+              </a:rPr>
+              <a:t>Вологодской области </a:t>
+            </a:r>
+            <a:br>
+              <a:rPr lang="ru-RU" sz="2000" dirty="0">
+                <a:latin typeface="Times New Roman" pitchFamily="18" charset="0"/>
+                <a:cs typeface="Times New Roman" pitchFamily="18" charset="0"/>
+              </a:rPr>
+            </a:br>
+            <a:r>
+              <a:rPr lang="ru-RU" sz="2000" dirty="0">
+                <a:latin typeface="Times New Roman" pitchFamily="18" charset="0"/>
+                <a:cs typeface="Times New Roman" pitchFamily="18" charset="0"/>
+              </a:rPr>
+              <a:t>«Вологодский колледж связи и информационных технологий»</a:t>
+            </a:r>
+            <a:r>
+              <a:rPr lang="ru-RU" sz="1800" dirty="0">
+                <a:latin typeface="Times New Roman" pitchFamily="18" charset="0"/>
+                <a:cs typeface="Times New Roman" pitchFamily="18" charset="0"/>
+              </a:rPr>
+              <a:t/>
+            </a:r>
+            <a:br>
+              <a:rPr lang="ru-RU" sz="1800" dirty="0">
+                <a:latin typeface="Times New Roman" pitchFamily="18" charset="0"/>
+                <a:cs typeface="Times New Roman" pitchFamily="18" charset="0"/>
+              </a:rPr>
+            </a:br>
+            <a:endParaRPr lang="ru-RU" dirty="0"/>
+          </a:p>
+        </p:txBody>
+      </p:sp>
+      <p:pic>
+        <p:nvPicPr>
+          <p:cNvPr id="10" name="Рисунок 9">
+            <a:extLst>
+              <a:ext uri="{FF2B5EF4-FFF2-40B4-BE49-F238E27FC236}">
+                <a16:creationId xmlns:a16="http://schemas.microsoft.com/office/drawing/2014/main" xmlns="" id="{B105D240-3D6D-4701-913E-3120F404C76E}"/>
+              </a:ext>
+            </a:extLst>
+          </p:cNvPr>
+          <p:cNvPicPr>
+            <a:picLocks noChangeAspect="1"/>
+          </p:cNvPicPr>
+          <p:nvPr/>
+        </p:nvPicPr>
+        <p:blipFill>
+          <a:blip r:embed="rId2" cstate="print"/>
+          <a:stretch>
+            <a:fillRect/>
+          </a:stretch>
+        </p:blipFill>
+        <p:spPr>
+          <a:xfrm>
+            <a:off x="275931" y="5946389"/>
+            <a:ext cx="699659" cy="721022"/>
+          </a:xfrm>
+          <a:prstGeom prst="rect">
+            <a:avLst/>
+          </a:prstGeom>
+        </p:spPr>
+      </p:pic>
     </p:spTree>
     <p:extLst>
       <p:ext uri="{BB962C8B-B14F-4D97-AF65-F5344CB8AC3E}">
-        <p14:creationId xmlns="" xmlns:p14="http://schemas.microsoft.com/office/powerpoint/2010/main" val="529463972"/>
+        <p14:creationId xmlns:p14="http://schemas.microsoft.com/office/powerpoint/2010/main" xmlns="" val="529463972"/>
+      </p:ext>
+    </p:extLst>
+  </p:cSld>
+  <p:clrMapOvr>
+    <a:masterClrMapping/>
+  </p:clrMapOvr>
+</p:sld>
+</file>
+
+<file path=ppt/slides/slide10.xml><?xml version="1.0" encoding="utf-8"?>
+<p:sld xmlns:a="http://schemas.openxmlformats.org/drawingml/2006/main" xmlns:r="http://schemas.openxmlformats.org/officeDocument/2006/relationships" xmlns:p="http://schemas.openxmlformats.org/presentationml/2006/main">
+  <p:cSld>
+    <p:spTree>
+      <p:nvGrpSpPr>
+        <p:cNvPr id="1" name=""/>
+        <p:cNvGrpSpPr/>
+        <p:nvPr/>
+      </p:nvGrpSpPr>
+      <p:grpSpPr>
+        <a:xfrm>
+          <a:off x="0" y="0"/>
+          <a:ext cx="0" cy="0"/>
+          <a:chOff x="0" y="0"/>
+          <a:chExt cx="0" cy="0"/>
+        </a:xfrm>
+      </p:grpSpPr>
+      <p:sp>
+        <p:nvSpPr>
+          <p:cNvPr id="5" name="Заголовок 1"/>
+          <p:cNvSpPr>
+            <a:spLocks noGrp="1"/>
+          </p:cNvSpPr>
+          <p:nvPr>
+            <p:ph type="title"/>
+          </p:nvPr>
+        </p:nvSpPr>
+        <p:spPr>
+          <a:xfrm>
+            <a:off x="0" y="365125"/>
+            <a:ext cx="11976100" cy="1325563"/>
+          </a:xfrm>
+        </p:spPr>
+        <p:txBody>
+          <a:bodyPr/>
+          <a:lstStyle/>
+          <a:p>
+            <a:pPr algn="ctr"/>
+            <a:r>
+              <a:rPr lang="ru-RU" dirty="0" smtClean="0"/>
+              <a:t>ПРОЦЕСС РАЗРАБОТКИ</a:t>
+            </a:r>
+            <a:endParaRPr lang="ru-RU" dirty="0"/>
+          </a:p>
+        </p:txBody>
+      </p:sp>
+      <p:pic>
+        <p:nvPicPr>
+          <p:cNvPr id="23554" name="Picture 2"/>
+          <p:cNvPicPr>
+            <a:picLocks noChangeAspect="1" noChangeArrowheads="1"/>
+          </p:cNvPicPr>
+          <p:nvPr/>
+        </p:nvPicPr>
+        <p:blipFill>
+          <a:blip r:embed="rId2" cstate="print"/>
+          <a:srcRect/>
+          <a:stretch>
+            <a:fillRect/>
+          </a:stretch>
+        </p:blipFill>
+        <p:spPr bwMode="auto">
+          <a:xfrm>
+            <a:off x="2064123" y="1710858"/>
+            <a:ext cx="7848600" cy="4619625"/>
+          </a:xfrm>
+          <a:prstGeom prst="rect">
+            <a:avLst/>
+          </a:prstGeom>
+          <a:noFill/>
+          <a:ln w="19050">
+            <a:solidFill>
+              <a:schemeClr val="tx1"/>
+            </a:solidFill>
+            <a:round/>
+            <a:headEnd/>
+            <a:tailEnd/>
+          </a:ln>
+        </p:spPr>
+      </p:pic>
+      <p:pic>
+        <p:nvPicPr>
+          <p:cNvPr id="6" name="Рисунок 5">
+            <a:extLst>
+              <a:ext uri="{FF2B5EF4-FFF2-40B4-BE49-F238E27FC236}">
+                <a16:creationId xmlns:a16="http://schemas.microsoft.com/office/drawing/2014/main" xmlns="" id="{B105D240-3D6D-4701-913E-3120F404C76E}"/>
+              </a:ext>
+            </a:extLst>
+          </p:cNvPr>
+          <p:cNvPicPr>
+            <a:picLocks noChangeAspect="1"/>
+          </p:cNvPicPr>
+          <p:nvPr/>
+        </p:nvPicPr>
+        <p:blipFill>
+          <a:blip r:embed="rId3" cstate="print"/>
+          <a:stretch>
+            <a:fillRect/>
+          </a:stretch>
+        </p:blipFill>
+        <p:spPr>
+          <a:xfrm>
+            <a:off x="275931" y="5946389"/>
+            <a:ext cx="699659" cy="721022"/>
+          </a:xfrm>
+          <a:prstGeom prst="rect">
+            <a:avLst/>
+          </a:prstGeom>
+        </p:spPr>
+      </p:pic>
+    </p:spTree>
+  </p:cSld>
+  <p:clrMapOvr>
+    <a:masterClrMapping/>
+  </p:clrMapOvr>
+</p:sld>
+</file>
+
+<file path=ppt/slides/slide11.xml><?xml version="1.0" encoding="utf-8"?>
+<p:sld xmlns:a="http://schemas.openxmlformats.org/drawingml/2006/main" xmlns:r="http://schemas.openxmlformats.org/officeDocument/2006/relationships" xmlns:p="http://schemas.openxmlformats.org/presentationml/2006/main">
+  <p:cSld>
+    <p:spTree>
+      <p:nvGrpSpPr>
+        <p:cNvPr id="1" name=""/>
+        <p:cNvGrpSpPr/>
+        <p:nvPr/>
+      </p:nvGrpSpPr>
+      <p:grpSpPr>
+        <a:xfrm>
+          <a:off x="0" y="0"/>
+          <a:ext cx="0" cy="0"/>
+          <a:chOff x="0" y="0"/>
+          <a:chExt cx="0" cy="0"/>
+        </a:xfrm>
+      </p:grpSpPr>
+      <p:sp>
+        <p:nvSpPr>
+          <p:cNvPr id="2" name="Заголовок 1">
+            <a:extLst>
+              <a:ext uri="{FF2B5EF4-FFF2-40B4-BE49-F238E27FC236}">
+                <a16:creationId xmlns:a16="http://schemas.microsoft.com/office/drawing/2014/main" xmlns="" id="{E860EFB2-3EBE-42D9-B824-67577249D973}"/>
+              </a:ext>
+            </a:extLst>
+          </p:cNvPr>
+          <p:cNvSpPr>
+            <a:spLocks noGrp="1"/>
+          </p:cNvSpPr>
+          <p:nvPr>
+            <p:ph type="ctrTitle"/>
+          </p:nvPr>
+        </p:nvSpPr>
+        <p:spPr>
+          <a:xfrm>
+            <a:off x="0" y="2057400"/>
+            <a:ext cx="12192000" cy="1809132"/>
+          </a:xfrm>
+        </p:spPr>
+        <p:txBody>
+          <a:bodyPr>
+            <a:normAutofit/>
+          </a:bodyPr>
+          <a:lstStyle/>
+          <a:p>
+            <a:r>
+              <a:rPr lang="ru-RU" dirty="0" smtClean="0"/>
+              <a:t>СОЗДАНИЕ КОНФИГУРАЦИИ 1С ПО УЧЕТУ ЗАРАБАТНОЙ ПЛАТЫ</a:t>
+            </a:r>
+            <a:endParaRPr lang="ru-RU" dirty="0"/>
+          </a:p>
+        </p:txBody>
+      </p:sp>
+      <p:sp>
+        <p:nvSpPr>
+          <p:cNvPr id="3" name="Подзаголовок 2">
+            <a:extLst>
+              <a:ext uri="{FF2B5EF4-FFF2-40B4-BE49-F238E27FC236}">
+                <a16:creationId xmlns:a16="http://schemas.microsoft.com/office/drawing/2014/main" xmlns="" id="{4D7C614F-C1DB-436B-9C36-47308CB5C143}"/>
+              </a:ext>
+            </a:extLst>
+          </p:cNvPr>
+          <p:cNvSpPr>
+            <a:spLocks noGrp="1"/>
+          </p:cNvSpPr>
+          <p:nvPr>
+            <p:ph type="subTitle" idx="1"/>
+          </p:nvPr>
+        </p:nvSpPr>
+        <p:spPr>
+          <a:xfrm>
+            <a:off x="4977205" y="5028224"/>
+            <a:ext cx="7544697" cy="888483"/>
+          </a:xfrm>
+        </p:spPr>
+        <p:txBody>
+          <a:bodyPr>
+            <a:normAutofit/>
+          </a:bodyPr>
+          <a:lstStyle/>
+          <a:p>
+            <a:r>
+              <a:rPr lang="ru-RU" dirty="0" smtClean="0"/>
+              <a:t>Работу выполнил</a:t>
+            </a:r>
+            <a:r>
+              <a:rPr lang="ru-RU" dirty="0"/>
+              <a:t>: </a:t>
+            </a:r>
+            <a:r>
+              <a:rPr lang="ru-RU" dirty="0" smtClean="0"/>
+              <a:t>Ерохин Даниил Сергеевич</a:t>
+            </a:r>
+            <a:endParaRPr lang="ru-RU" dirty="0"/>
+          </a:p>
+          <a:p>
+            <a:r>
+              <a:rPr lang="ru-RU" dirty="0"/>
+              <a:t>                            </a:t>
+            </a:r>
+            <a:r>
+              <a:rPr lang="ru-RU" dirty="0" smtClean="0"/>
+              <a:t>	        Группа</a:t>
+            </a:r>
+            <a:r>
+              <a:rPr lang="ru-RU" dirty="0"/>
+              <a:t>: </a:t>
+            </a:r>
+            <a:r>
+              <a:rPr lang="ru-RU" dirty="0" smtClean="0"/>
+              <a:t>ИСП-421ИС</a:t>
+            </a:r>
+            <a:endParaRPr lang="ru-RU" dirty="0"/>
+          </a:p>
+          <a:p>
+            <a:endParaRPr lang="ru-RU" dirty="0" smtClean="0"/>
+          </a:p>
+        </p:txBody>
+      </p:sp>
+      <p:sp>
+        <p:nvSpPr>
+          <p:cNvPr id="5" name="Подзаголовок 2">
+            <a:extLst>
+              <a:ext uri="{FF2B5EF4-FFF2-40B4-BE49-F238E27FC236}">
+                <a16:creationId xmlns:a16="http://schemas.microsoft.com/office/drawing/2014/main" xmlns="" id="{7581B6DC-12AD-414B-8441-5E246B37C8B2}"/>
+              </a:ext>
+            </a:extLst>
+          </p:cNvPr>
+          <p:cNvSpPr txBox="1">
+            <a:spLocks/>
+          </p:cNvSpPr>
+          <p:nvPr/>
+        </p:nvSpPr>
+        <p:spPr>
+          <a:xfrm>
+            <a:off x="4596580" y="3066334"/>
+            <a:ext cx="9144000" cy="1655762"/>
+          </a:xfrm>
+          <a:prstGeom prst="rect">
+            <a:avLst/>
+          </a:prstGeom>
+        </p:spPr>
+        <p:txBody>
+          <a:bodyPr vert="horz" lIns="91440" tIns="45720" rIns="91440" bIns="45720" rtlCol="0">
+            <a:normAutofit/>
+          </a:bodyPr>
+          <a:lstStyle>
+            <a:lvl1pPr marL="0" indent="0" algn="ctr" defTabSz="914400" rtl="0" eaLnBrk="1" latinLnBrk="0" hangingPunct="1">
+              <a:lnSpc>
+                <a:spcPct val="90000"/>
+              </a:lnSpc>
+              <a:spcBef>
+                <a:spcPts val="1000"/>
+              </a:spcBef>
+              <a:buFont typeface="Arial" panose="020B0604020202020204" pitchFamily="34" charset="0"/>
+              <a:buNone/>
+              <a:defRPr sz="2400" kern="1200">
+                <a:solidFill>
+                  <a:schemeClr val="tx1"/>
+                </a:solidFill>
+                <a:latin typeface="+mn-lt"/>
+                <a:ea typeface="+mn-ea"/>
+                <a:cs typeface="+mn-cs"/>
+              </a:defRPr>
+            </a:lvl1pPr>
+            <a:lvl2pPr marL="457200" indent="0" algn="ctr" defTabSz="914400" rtl="0" eaLnBrk="1" latinLnBrk="0" hangingPunct="1">
+              <a:lnSpc>
+                <a:spcPct val="90000"/>
+              </a:lnSpc>
+              <a:spcBef>
+                <a:spcPts val="500"/>
+              </a:spcBef>
+              <a:buFont typeface="Arial" panose="020B0604020202020204" pitchFamily="34" charset="0"/>
+              <a:buNone/>
+              <a:defRPr sz="2000" kern="1200">
+                <a:solidFill>
+                  <a:schemeClr val="tx1"/>
+                </a:solidFill>
+                <a:latin typeface="+mn-lt"/>
+                <a:ea typeface="+mn-ea"/>
+                <a:cs typeface="+mn-cs"/>
+              </a:defRPr>
+            </a:lvl2pPr>
+            <a:lvl3pPr marL="914400" indent="0" algn="ctr" defTabSz="914400" rtl="0" eaLnBrk="1" latinLnBrk="0" hangingPunct="1">
+              <a:lnSpc>
+                <a:spcPct val="90000"/>
+              </a:lnSpc>
+              <a:spcBef>
+                <a:spcPts val="500"/>
+              </a:spcBef>
+              <a:buFont typeface="Arial" panose="020B0604020202020204" pitchFamily="34" charset="0"/>
+              <a:buNone/>
+              <a:defRPr sz="1800" kern="1200">
+                <a:solidFill>
+                  <a:schemeClr val="tx1"/>
+                </a:solidFill>
+                <a:latin typeface="+mn-lt"/>
+                <a:ea typeface="+mn-ea"/>
+                <a:cs typeface="+mn-cs"/>
+              </a:defRPr>
+            </a:lvl3pPr>
+            <a:lvl4pPr marL="1371600" indent="0" algn="ctr" defTabSz="914400" rtl="0" eaLnBrk="1" latinLnBrk="0" hangingPunct="1">
+              <a:lnSpc>
+                <a:spcPct val="90000"/>
+              </a:lnSpc>
+              <a:spcBef>
+                <a:spcPts val="500"/>
+              </a:spcBef>
+              <a:buFont typeface="Arial" panose="020B0604020202020204" pitchFamily="34" charset="0"/>
+              <a:buNone/>
+              <a:defRPr sz="1600" kern="1200">
+                <a:solidFill>
+                  <a:schemeClr val="tx1"/>
+                </a:solidFill>
+                <a:latin typeface="+mn-lt"/>
+                <a:ea typeface="+mn-ea"/>
+                <a:cs typeface="+mn-cs"/>
+              </a:defRPr>
+            </a:lvl4pPr>
+            <a:lvl5pPr marL="1828800" indent="0" algn="ctr" defTabSz="914400" rtl="0" eaLnBrk="1" latinLnBrk="0" hangingPunct="1">
+              <a:lnSpc>
+                <a:spcPct val="90000"/>
+              </a:lnSpc>
+              <a:spcBef>
+                <a:spcPts val="500"/>
+              </a:spcBef>
+              <a:buFont typeface="Arial" panose="020B0604020202020204" pitchFamily="34" charset="0"/>
+              <a:buNone/>
+              <a:defRPr sz="1600" kern="1200">
+                <a:solidFill>
+                  <a:schemeClr val="tx1"/>
+                </a:solidFill>
+                <a:latin typeface="+mn-lt"/>
+                <a:ea typeface="+mn-ea"/>
+                <a:cs typeface="+mn-cs"/>
+              </a:defRPr>
+            </a:lvl5pPr>
+            <a:lvl6pPr marL="2286000" indent="0" algn="ctr" defTabSz="914400" rtl="0" eaLnBrk="1" latinLnBrk="0" hangingPunct="1">
+              <a:lnSpc>
+                <a:spcPct val="90000"/>
+              </a:lnSpc>
+              <a:spcBef>
+                <a:spcPts val="500"/>
+              </a:spcBef>
+              <a:buFont typeface="Arial" panose="020B0604020202020204" pitchFamily="34" charset="0"/>
+              <a:buNone/>
+              <a:defRPr sz="1600" kern="1200">
+                <a:solidFill>
+                  <a:schemeClr val="tx1"/>
+                </a:solidFill>
+                <a:latin typeface="+mn-lt"/>
+                <a:ea typeface="+mn-ea"/>
+                <a:cs typeface="+mn-cs"/>
+              </a:defRPr>
+            </a:lvl6pPr>
+            <a:lvl7pPr marL="2743200" indent="0" algn="ctr" defTabSz="914400" rtl="0" eaLnBrk="1" latinLnBrk="0" hangingPunct="1">
+              <a:lnSpc>
+                <a:spcPct val="90000"/>
+              </a:lnSpc>
+              <a:spcBef>
+                <a:spcPts val="500"/>
+              </a:spcBef>
+              <a:buFont typeface="Arial" panose="020B0604020202020204" pitchFamily="34" charset="0"/>
+              <a:buNone/>
+              <a:defRPr sz="1600" kern="1200">
+                <a:solidFill>
+                  <a:schemeClr val="tx1"/>
+                </a:solidFill>
+                <a:latin typeface="+mn-lt"/>
+                <a:ea typeface="+mn-ea"/>
+                <a:cs typeface="+mn-cs"/>
+              </a:defRPr>
+            </a:lvl7pPr>
+            <a:lvl8pPr marL="3200400" indent="0" algn="ctr" defTabSz="914400" rtl="0" eaLnBrk="1" latinLnBrk="0" hangingPunct="1">
+              <a:lnSpc>
+                <a:spcPct val="90000"/>
+              </a:lnSpc>
+              <a:spcBef>
+                <a:spcPts val="500"/>
+              </a:spcBef>
+              <a:buFont typeface="Arial" panose="020B0604020202020204" pitchFamily="34" charset="0"/>
+              <a:buNone/>
+              <a:defRPr sz="1600" kern="1200">
+                <a:solidFill>
+                  <a:schemeClr val="tx1"/>
+                </a:solidFill>
+                <a:latin typeface="+mn-lt"/>
+                <a:ea typeface="+mn-ea"/>
+                <a:cs typeface="+mn-cs"/>
+              </a:defRPr>
+            </a:lvl8pPr>
+            <a:lvl9pPr marL="3657600" indent="0" algn="ctr" defTabSz="914400" rtl="0" eaLnBrk="1" latinLnBrk="0" hangingPunct="1">
+              <a:lnSpc>
+                <a:spcPct val="90000"/>
+              </a:lnSpc>
+              <a:spcBef>
+                <a:spcPts val="500"/>
+              </a:spcBef>
+              <a:buFont typeface="Arial" panose="020B0604020202020204" pitchFamily="34" charset="0"/>
+              <a:buNone/>
+              <a:defRPr sz="1600" kern="1200">
+                <a:solidFill>
+                  <a:schemeClr val="tx1"/>
+                </a:solidFill>
+                <a:latin typeface="+mn-lt"/>
+                <a:ea typeface="+mn-ea"/>
+                <a:cs typeface="+mn-cs"/>
+              </a:defRPr>
+            </a:lvl9pPr>
+          </a:lstStyle>
+          <a:p>
+            <a:endParaRPr lang="ru-RU" dirty="0"/>
+          </a:p>
+        </p:txBody>
+      </p:sp>
+      <p:sp>
+        <p:nvSpPr>
+          <p:cNvPr id="6" name="Подзаголовок 2">
+            <a:extLst>
+              <a:ext uri="{FF2B5EF4-FFF2-40B4-BE49-F238E27FC236}">
+                <a16:creationId xmlns:a16="http://schemas.microsoft.com/office/drawing/2014/main" xmlns="" id="{CE0DF726-34BD-45CC-AF4A-04AC6C4D8E32}"/>
+              </a:ext>
+            </a:extLst>
+          </p:cNvPr>
+          <p:cNvSpPr txBox="1">
+            <a:spLocks/>
+          </p:cNvSpPr>
+          <p:nvPr/>
+        </p:nvSpPr>
+        <p:spPr>
+          <a:xfrm>
+            <a:off x="703006" y="4511676"/>
+            <a:ext cx="9144000" cy="1655762"/>
+          </a:xfrm>
+          <a:prstGeom prst="rect">
+            <a:avLst/>
+          </a:prstGeom>
+        </p:spPr>
+        <p:txBody>
+          <a:bodyPr vert="horz" lIns="91440" tIns="45720" rIns="91440" bIns="45720" rtlCol="0">
+            <a:normAutofit/>
+          </a:bodyPr>
+          <a:lstStyle>
+            <a:lvl1pPr marL="0" indent="0" algn="ctr" defTabSz="914400" rtl="0" eaLnBrk="1" latinLnBrk="0" hangingPunct="1">
+              <a:lnSpc>
+                <a:spcPct val="90000"/>
+              </a:lnSpc>
+              <a:spcBef>
+                <a:spcPts val="1000"/>
+              </a:spcBef>
+              <a:buFont typeface="Arial" panose="020B0604020202020204" pitchFamily="34" charset="0"/>
+              <a:buNone/>
+              <a:defRPr sz="2400" kern="1200">
+                <a:solidFill>
+                  <a:schemeClr val="tx1"/>
+                </a:solidFill>
+                <a:latin typeface="+mn-lt"/>
+                <a:ea typeface="+mn-ea"/>
+                <a:cs typeface="+mn-cs"/>
+              </a:defRPr>
+            </a:lvl1pPr>
+            <a:lvl2pPr marL="457200" indent="0" algn="ctr" defTabSz="914400" rtl="0" eaLnBrk="1" latinLnBrk="0" hangingPunct="1">
+              <a:lnSpc>
+                <a:spcPct val="90000"/>
+              </a:lnSpc>
+              <a:spcBef>
+                <a:spcPts val="500"/>
+              </a:spcBef>
+              <a:buFont typeface="Arial" panose="020B0604020202020204" pitchFamily="34" charset="0"/>
+              <a:buNone/>
+              <a:defRPr sz="2000" kern="1200">
+                <a:solidFill>
+                  <a:schemeClr val="tx1"/>
+                </a:solidFill>
+                <a:latin typeface="+mn-lt"/>
+                <a:ea typeface="+mn-ea"/>
+                <a:cs typeface="+mn-cs"/>
+              </a:defRPr>
+            </a:lvl2pPr>
+            <a:lvl3pPr marL="914400" indent="0" algn="ctr" defTabSz="914400" rtl="0" eaLnBrk="1" latinLnBrk="0" hangingPunct="1">
+              <a:lnSpc>
+                <a:spcPct val="90000"/>
+              </a:lnSpc>
+              <a:spcBef>
+                <a:spcPts val="500"/>
+              </a:spcBef>
+              <a:buFont typeface="Arial" panose="020B0604020202020204" pitchFamily="34" charset="0"/>
+              <a:buNone/>
+              <a:defRPr sz="1800" kern="1200">
+                <a:solidFill>
+                  <a:schemeClr val="tx1"/>
+                </a:solidFill>
+                <a:latin typeface="+mn-lt"/>
+                <a:ea typeface="+mn-ea"/>
+                <a:cs typeface="+mn-cs"/>
+              </a:defRPr>
+            </a:lvl3pPr>
+            <a:lvl4pPr marL="1371600" indent="0" algn="ctr" defTabSz="914400" rtl="0" eaLnBrk="1" latinLnBrk="0" hangingPunct="1">
+              <a:lnSpc>
+                <a:spcPct val="90000"/>
+              </a:lnSpc>
+              <a:spcBef>
+                <a:spcPts val="500"/>
+              </a:spcBef>
+              <a:buFont typeface="Arial" panose="020B0604020202020204" pitchFamily="34" charset="0"/>
+              <a:buNone/>
+              <a:defRPr sz="1600" kern="1200">
+                <a:solidFill>
+                  <a:schemeClr val="tx1"/>
+                </a:solidFill>
+                <a:latin typeface="+mn-lt"/>
+                <a:ea typeface="+mn-ea"/>
+                <a:cs typeface="+mn-cs"/>
+              </a:defRPr>
+            </a:lvl4pPr>
+            <a:lvl5pPr marL="1828800" indent="0" algn="ctr" defTabSz="914400" rtl="0" eaLnBrk="1" latinLnBrk="0" hangingPunct="1">
+              <a:lnSpc>
+                <a:spcPct val="90000"/>
+              </a:lnSpc>
+              <a:spcBef>
+                <a:spcPts val="500"/>
+              </a:spcBef>
+              <a:buFont typeface="Arial" panose="020B0604020202020204" pitchFamily="34" charset="0"/>
+              <a:buNone/>
+              <a:defRPr sz="1600" kern="1200">
+                <a:solidFill>
+                  <a:schemeClr val="tx1"/>
+                </a:solidFill>
+                <a:latin typeface="+mn-lt"/>
+                <a:ea typeface="+mn-ea"/>
+                <a:cs typeface="+mn-cs"/>
+              </a:defRPr>
+            </a:lvl5pPr>
+            <a:lvl6pPr marL="2286000" indent="0" algn="ctr" defTabSz="914400" rtl="0" eaLnBrk="1" latinLnBrk="0" hangingPunct="1">
+              <a:lnSpc>
+                <a:spcPct val="90000"/>
+              </a:lnSpc>
+              <a:spcBef>
+                <a:spcPts val="500"/>
+              </a:spcBef>
+              <a:buFont typeface="Arial" panose="020B0604020202020204" pitchFamily="34" charset="0"/>
+              <a:buNone/>
+              <a:defRPr sz="1600" kern="1200">
+                <a:solidFill>
+                  <a:schemeClr val="tx1"/>
+                </a:solidFill>
+                <a:latin typeface="+mn-lt"/>
+                <a:ea typeface="+mn-ea"/>
+                <a:cs typeface="+mn-cs"/>
+              </a:defRPr>
+            </a:lvl6pPr>
+            <a:lvl7pPr marL="2743200" indent="0" algn="ctr" defTabSz="914400" rtl="0" eaLnBrk="1" latinLnBrk="0" hangingPunct="1">
+              <a:lnSpc>
+                <a:spcPct val="90000"/>
+              </a:lnSpc>
+              <a:spcBef>
+                <a:spcPts val="500"/>
+              </a:spcBef>
+              <a:buFont typeface="Arial" panose="020B0604020202020204" pitchFamily="34" charset="0"/>
+              <a:buNone/>
+              <a:defRPr sz="1600" kern="1200">
+                <a:solidFill>
+                  <a:schemeClr val="tx1"/>
+                </a:solidFill>
+                <a:latin typeface="+mn-lt"/>
+                <a:ea typeface="+mn-ea"/>
+                <a:cs typeface="+mn-cs"/>
+              </a:defRPr>
+            </a:lvl7pPr>
+            <a:lvl8pPr marL="3200400" indent="0" algn="ctr" defTabSz="914400" rtl="0" eaLnBrk="1" latinLnBrk="0" hangingPunct="1">
+              <a:lnSpc>
+                <a:spcPct val="90000"/>
+              </a:lnSpc>
+              <a:spcBef>
+                <a:spcPts val="500"/>
+              </a:spcBef>
+              <a:buFont typeface="Arial" panose="020B0604020202020204" pitchFamily="34" charset="0"/>
+              <a:buNone/>
+              <a:defRPr sz="1600" kern="1200">
+                <a:solidFill>
+                  <a:schemeClr val="tx1"/>
+                </a:solidFill>
+                <a:latin typeface="+mn-lt"/>
+                <a:ea typeface="+mn-ea"/>
+                <a:cs typeface="+mn-cs"/>
+              </a:defRPr>
+            </a:lvl8pPr>
+            <a:lvl9pPr marL="3657600" indent="0" algn="ctr" defTabSz="914400" rtl="0" eaLnBrk="1" latinLnBrk="0" hangingPunct="1">
+              <a:lnSpc>
+                <a:spcPct val="90000"/>
+              </a:lnSpc>
+              <a:spcBef>
+                <a:spcPts val="500"/>
+              </a:spcBef>
+              <a:buFont typeface="Arial" panose="020B0604020202020204" pitchFamily="34" charset="0"/>
+              <a:buNone/>
+              <a:defRPr sz="1600" kern="1200">
+                <a:solidFill>
+                  <a:schemeClr val="tx1"/>
+                </a:solidFill>
+                <a:latin typeface="+mn-lt"/>
+                <a:ea typeface="+mn-ea"/>
+                <a:cs typeface="+mn-cs"/>
+              </a:defRPr>
+            </a:lvl9pPr>
+          </a:lstStyle>
+          <a:p>
+            <a:endParaRPr lang="ru-RU" dirty="0"/>
+          </a:p>
+        </p:txBody>
+      </p:sp>
+      <p:sp>
+        <p:nvSpPr>
+          <p:cNvPr id="9" name="Подзаголовок 2">
+            <a:extLst>
+              <a:ext uri="{FF2B5EF4-FFF2-40B4-BE49-F238E27FC236}">
+                <a16:creationId xmlns:a16="http://schemas.microsoft.com/office/drawing/2014/main" xmlns="" id="{4D7C614F-C1DB-436B-9C36-47308CB5C143}"/>
+              </a:ext>
+            </a:extLst>
+          </p:cNvPr>
+          <p:cNvSpPr txBox="1">
+            <a:spLocks/>
+          </p:cNvSpPr>
+          <p:nvPr/>
+        </p:nvSpPr>
+        <p:spPr>
+          <a:xfrm>
+            <a:off x="4754892" y="5955175"/>
+            <a:ext cx="7207622" cy="714567"/>
+          </a:xfrm>
+          <a:prstGeom prst="rect">
+            <a:avLst/>
+          </a:prstGeom>
+        </p:spPr>
+        <p:txBody>
+          <a:bodyPr vert="horz" lIns="91440" tIns="45720" rIns="91440" bIns="45720" rtlCol="0">
+            <a:noAutofit/>
+          </a:bodyPr>
+          <a:lstStyle/>
+          <a:p>
+            <a:pPr marL="0" marR="0" lvl="0" indent="0" algn="ctr" defTabSz="914400" rtl="0" eaLnBrk="1" fontAlgn="auto" latinLnBrk="0" hangingPunct="1">
+              <a:lnSpc>
+                <a:spcPct val="90000"/>
+              </a:lnSpc>
+              <a:spcBef>
+                <a:spcPts val="1000"/>
+              </a:spcBef>
+              <a:spcAft>
+                <a:spcPts val="0"/>
+              </a:spcAft>
+              <a:buClrTx/>
+              <a:buSzTx/>
+              <a:buFont typeface="Arial" panose="020B0604020202020204" pitchFamily="34" charset="0"/>
+              <a:buNone/>
+              <a:tabLst/>
+              <a:defRPr/>
+            </a:pPr>
+            <a:r>
+              <a:rPr kumimoji="0" lang="ru-RU" sz="2400" b="0" i="0" u="none" strike="noStrike" kern="1200" cap="none" spc="0" normalizeH="0" baseline="0" noProof="0" dirty="0" smtClean="0">
+                <a:ln>
+                  <a:noFill/>
+                </a:ln>
+                <a:solidFill>
+                  <a:schemeClr val="tx1"/>
+                </a:solidFill>
+                <a:effectLst/>
+                <a:uLnTx/>
+                <a:uFillTx/>
+                <a:latin typeface="+mn-lt"/>
+                <a:ea typeface="+mn-ea"/>
+                <a:cs typeface="+mn-cs"/>
+              </a:rPr>
+              <a:t>Научный руководитель: Ананьин</a:t>
+            </a:r>
+            <a:r>
+              <a:rPr kumimoji="0" lang="ru-RU" sz="2400" b="0" i="0" u="none" strike="noStrike" kern="1200" cap="none" spc="0" normalizeH="0" noProof="0" dirty="0" smtClean="0">
+                <a:ln>
+                  <a:noFill/>
+                </a:ln>
+                <a:solidFill>
+                  <a:schemeClr val="tx1"/>
+                </a:solidFill>
+                <a:effectLst/>
+                <a:uLnTx/>
+                <a:uFillTx/>
+                <a:latin typeface="+mn-lt"/>
+                <a:ea typeface="+mn-ea"/>
+                <a:cs typeface="+mn-cs"/>
+              </a:rPr>
+              <a:t> Егор Михайлович</a:t>
+            </a:r>
+            <a:endParaRPr kumimoji="0" lang="ru-RU" sz="2400" b="0" i="0" u="none" strike="noStrike" kern="1200" cap="none" spc="0" normalizeH="0" baseline="0" noProof="0" dirty="0" smtClean="0">
+              <a:ln>
+                <a:noFill/>
+              </a:ln>
+              <a:solidFill>
+                <a:schemeClr val="tx1"/>
+              </a:solidFill>
+              <a:effectLst/>
+              <a:uLnTx/>
+              <a:uFillTx/>
+              <a:latin typeface="+mn-lt"/>
+              <a:ea typeface="+mn-ea"/>
+              <a:cs typeface="+mn-cs"/>
+            </a:endParaRPr>
+          </a:p>
+          <a:p>
+            <a:pPr marL="0" marR="0" lvl="0" indent="0" algn="ctr" defTabSz="914400" rtl="0" eaLnBrk="1" fontAlgn="auto" latinLnBrk="0" hangingPunct="1">
+              <a:lnSpc>
+                <a:spcPct val="90000"/>
+              </a:lnSpc>
+              <a:spcBef>
+                <a:spcPts val="1000"/>
+              </a:spcBef>
+              <a:spcAft>
+                <a:spcPts val="0"/>
+              </a:spcAft>
+              <a:buClrTx/>
+              <a:buSzTx/>
+              <a:buFont typeface="Arial" panose="020B0604020202020204" pitchFamily="34" charset="0"/>
+              <a:buNone/>
+              <a:tabLst/>
+              <a:defRPr/>
+            </a:pPr>
+            <a:r>
+              <a:rPr kumimoji="0" lang="ru-RU" sz="2400" b="0" i="0" u="none" strike="noStrike" kern="1200" cap="none" spc="0" normalizeH="0" baseline="0" noProof="0" dirty="0" smtClean="0">
+                <a:ln>
+                  <a:noFill/>
+                </a:ln>
+                <a:solidFill>
+                  <a:schemeClr val="tx1"/>
+                </a:solidFill>
+                <a:effectLst/>
+                <a:uLnTx/>
+                <a:uFillTx/>
+                <a:latin typeface="+mn-lt"/>
+                <a:ea typeface="+mn-ea"/>
+                <a:cs typeface="+mn-cs"/>
+              </a:rPr>
+              <a:t>                             </a:t>
+            </a:r>
+          </a:p>
+          <a:p>
+            <a:pPr marL="0" marR="0" lvl="0" indent="0" algn="ctr" defTabSz="914400" rtl="0" eaLnBrk="1" fontAlgn="auto" latinLnBrk="0" hangingPunct="1">
+              <a:lnSpc>
+                <a:spcPct val="90000"/>
+              </a:lnSpc>
+              <a:spcBef>
+                <a:spcPts val="1000"/>
+              </a:spcBef>
+              <a:spcAft>
+                <a:spcPts val="0"/>
+              </a:spcAft>
+              <a:buClrTx/>
+              <a:buSzTx/>
+              <a:buFont typeface="Arial" panose="020B0604020202020204" pitchFamily="34" charset="0"/>
+              <a:buNone/>
+              <a:tabLst/>
+              <a:defRPr/>
+            </a:pPr>
+            <a:endParaRPr kumimoji="0" lang="ru-RU" sz="2400" b="0" i="0" u="none" strike="noStrike" kern="1200" cap="none" spc="0" normalizeH="0" baseline="0" noProof="0" dirty="0" smtClean="0">
+              <a:ln>
+                <a:noFill/>
+              </a:ln>
+              <a:solidFill>
+                <a:schemeClr val="tx1"/>
+              </a:solidFill>
+              <a:effectLst/>
+              <a:uLnTx/>
+              <a:uFillTx/>
+              <a:latin typeface="+mn-lt"/>
+              <a:ea typeface="+mn-ea"/>
+              <a:cs typeface="+mn-cs"/>
+            </a:endParaRPr>
+          </a:p>
+        </p:txBody>
+      </p:sp>
+      <p:sp>
+        <p:nvSpPr>
+          <p:cNvPr id="8" name="TextBox 7">
+            <a:extLst>
+              <a:ext uri="{FF2B5EF4-FFF2-40B4-BE49-F238E27FC236}">
+                <a16:creationId xmlns:a16="http://schemas.microsoft.com/office/drawing/2014/main" xmlns="" id="{0EEAA890-5938-4B74-8DB2-8E2925628BF3}"/>
+              </a:ext>
+            </a:extLst>
+          </p:cNvPr>
+          <p:cNvSpPr txBox="1"/>
+          <p:nvPr/>
+        </p:nvSpPr>
+        <p:spPr>
+          <a:xfrm>
+            <a:off x="2813454" y="261019"/>
+            <a:ext cx="7121236" cy="1292662"/>
+          </a:xfrm>
+          <a:prstGeom prst="rect">
+            <a:avLst/>
+          </a:prstGeom>
+          <a:noFill/>
+        </p:spPr>
+        <p:txBody>
+          <a:bodyPr wrap="square">
+            <a:spAutoFit/>
+          </a:bodyPr>
+          <a:lstStyle/>
+          <a:p>
+            <a:pPr algn="ctr"/>
+            <a:r>
+              <a:rPr lang="ru-RU" sz="2000" dirty="0">
+                <a:latin typeface="Times New Roman" pitchFamily="18" charset="0"/>
+                <a:cs typeface="Times New Roman" pitchFamily="18" charset="0"/>
+              </a:rPr>
+              <a:t>автономное профессиональное образовательное учреждение </a:t>
+            </a:r>
+            <a:br>
+              <a:rPr lang="ru-RU" sz="2000" dirty="0">
+                <a:latin typeface="Times New Roman" pitchFamily="18" charset="0"/>
+                <a:cs typeface="Times New Roman" pitchFamily="18" charset="0"/>
+              </a:rPr>
+            </a:br>
+            <a:r>
+              <a:rPr lang="ru-RU" sz="2000" dirty="0">
+                <a:latin typeface="Times New Roman" pitchFamily="18" charset="0"/>
+                <a:cs typeface="Times New Roman" pitchFamily="18" charset="0"/>
+              </a:rPr>
+              <a:t>Вологодской области </a:t>
+            </a:r>
+            <a:br>
+              <a:rPr lang="ru-RU" sz="2000" dirty="0">
+                <a:latin typeface="Times New Roman" pitchFamily="18" charset="0"/>
+                <a:cs typeface="Times New Roman" pitchFamily="18" charset="0"/>
+              </a:rPr>
+            </a:br>
+            <a:r>
+              <a:rPr lang="ru-RU" sz="2000" dirty="0">
+                <a:latin typeface="Times New Roman" pitchFamily="18" charset="0"/>
+                <a:cs typeface="Times New Roman" pitchFamily="18" charset="0"/>
+              </a:rPr>
+              <a:t>«Вологодский колледж связи и информационных технологий»</a:t>
+            </a:r>
+            <a:r>
+              <a:rPr lang="ru-RU" sz="1800" dirty="0">
+                <a:latin typeface="Times New Roman" pitchFamily="18" charset="0"/>
+                <a:cs typeface="Times New Roman" pitchFamily="18" charset="0"/>
+              </a:rPr>
+              <a:t/>
+            </a:r>
+            <a:br>
+              <a:rPr lang="ru-RU" sz="1800" dirty="0">
+                <a:latin typeface="Times New Roman" pitchFamily="18" charset="0"/>
+                <a:cs typeface="Times New Roman" pitchFamily="18" charset="0"/>
+              </a:rPr>
+            </a:br>
+            <a:endParaRPr lang="ru-RU" dirty="0"/>
+          </a:p>
+        </p:txBody>
+      </p:sp>
+      <p:pic>
+        <p:nvPicPr>
+          <p:cNvPr id="10" name="Рисунок 9">
+            <a:extLst>
+              <a:ext uri="{FF2B5EF4-FFF2-40B4-BE49-F238E27FC236}">
+                <a16:creationId xmlns:a16="http://schemas.microsoft.com/office/drawing/2014/main" xmlns="" id="{B105D240-3D6D-4701-913E-3120F404C76E}"/>
+              </a:ext>
+            </a:extLst>
+          </p:cNvPr>
+          <p:cNvPicPr>
+            <a:picLocks noChangeAspect="1"/>
+          </p:cNvPicPr>
+          <p:nvPr/>
+        </p:nvPicPr>
+        <p:blipFill>
+          <a:blip r:embed="rId2" cstate="print"/>
+          <a:stretch>
+            <a:fillRect/>
+          </a:stretch>
+        </p:blipFill>
+        <p:spPr>
+          <a:xfrm>
+            <a:off x="275931" y="5946389"/>
+            <a:ext cx="699659" cy="721022"/>
+          </a:xfrm>
+          <a:prstGeom prst="rect">
+            <a:avLst/>
+          </a:prstGeom>
+        </p:spPr>
+      </p:pic>
+    </p:spTree>
+    <p:extLst>
+      <p:ext uri="{BB962C8B-B14F-4D97-AF65-F5344CB8AC3E}">
+        <p14:creationId xmlns:p14="http://schemas.microsoft.com/office/powerpoint/2010/main" xmlns="" val="529463972"/>
       </p:ext>
     </p:extLst>
   </p:cSld>
@@ -3902,7 +5081,7 @@
           <p:cNvPr id="2" name="Заголовок 1">
             <a:extLst>
               <a:ext uri="{FF2B5EF4-FFF2-40B4-BE49-F238E27FC236}">
-                <a16:creationId xmlns:a16="http://schemas.microsoft.com/office/drawing/2014/main" xmlns="" id="{CB0C57D5-A62D-4D4A-81A4-CFA982CF691F}"/>
+                <a16:creationId xmlns="" xmlns:a16="http://schemas.microsoft.com/office/drawing/2014/main" id="{CB0C57D5-A62D-4D4A-81A4-CFA982CF691F}"/>
               </a:ext>
             </a:extLst>
           </p:cNvPr>
@@ -3932,48 +5111,484 @@
       </p:sp>
       <p:sp>
         <p:nvSpPr>
-          <p:cNvPr id="9" name="TextBox 8">
-            <a:extLst>
-              <a:ext uri="{FF2B5EF4-FFF2-40B4-BE49-F238E27FC236}">
-                <a16:creationId xmlns:a16="http://schemas.microsoft.com/office/drawing/2014/main" xmlns="" id="{C46363AC-6FFF-4C55-86AC-D4029A921864}"/>
-              </a:ext>
-            </a:extLst>
-          </p:cNvPr>
-          <p:cNvSpPr txBox="1"/>
+          <p:cNvPr id="4" name="Заголовок 1">
+            <a:extLst>
+              <a:ext uri="{FF2B5EF4-FFF2-40B4-BE49-F238E27FC236}">
+                <a16:creationId xmlns:a16="http://schemas.microsoft.com/office/drawing/2014/main" xmlns="" id="{E860EFB2-3EBE-42D9-B824-67577249D973}"/>
+              </a:ext>
+            </a:extLst>
+          </p:cNvPr>
+          <p:cNvSpPr txBox="1">
+            <a:spLocks/>
+          </p:cNvSpPr>
           <p:nvPr/>
         </p:nvSpPr>
         <p:spPr>
           <a:xfrm>
-            <a:off x="787400" y="2580210"/>
-            <a:ext cx="6324600" cy="1938992"/>
+            <a:off x="825500" y="1397000"/>
+            <a:ext cx="10769600" cy="1181100"/>
           </a:xfrm>
           <a:prstGeom prst="rect">
             <a:avLst/>
           </a:prstGeom>
-          <a:noFill/>
         </p:spPr>
         <p:txBody>
-          <a:bodyPr wrap="square">
-            <a:spAutoFit/>
+          <a:bodyPr vert="horz" lIns="91440" tIns="45720" rIns="91440" bIns="45720" rtlCol="0" anchor="ctr">
+            <a:noAutofit/>
           </a:bodyPr>
           <a:lstStyle/>
           <a:p>
-            <a:r>
-              <a:rPr lang="ru-RU" sz="3000" dirty="0" smtClean="0">
+            <a:pPr lvl="0">
+              <a:lnSpc>
+                <a:spcPct val="90000"/>
+              </a:lnSpc>
+              <a:spcBef>
+                <a:spcPct val="0"/>
+              </a:spcBef>
+            </a:pPr>
+            <a:r>
+              <a:rPr lang="ru-RU" sz="2800" dirty="0" smtClean="0">
                 <a:latin typeface="+mj-lt"/>
+                <a:ea typeface="+mj-ea"/>
+                <a:cs typeface="+mj-cs"/>
               </a:rPr>
-              <a:t>Разработка конфигурации в 1с с учетом потребностей пользователей, включение необходимых функций для учета заработной платы</a:t>
-            </a:r>
-            <a:endParaRPr lang="ru-RU" sz="3000" dirty="0">
+              <a:t>Разработка конфигурации в </a:t>
+            </a:r>
+            <a:r>
+              <a:rPr lang="ru-RU" sz="2800" dirty="0" smtClean="0">
+                <a:latin typeface="+mj-lt"/>
+                <a:ea typeface="+mj-ea"/>
+                <a:cs typeface="+mj-cs"/>
+              </a:rPr>
+              <a:t>1С </a:t>
+            </a:r>
+            <a:r>
+              <a:rPr lang="ru-RU" sz="2800" dirty="0" smtClean="0">
+                <a:latin typeface="+mj-lt"/>
+                <a:ea typeface="+mj-ea"/>
+                <a:cs typeface="+mj-cs"/>
+              </a:rPr>
+              <a:t>с учетом потребностей пользователей, включение необходимых функций для учета заработной </a:t>
+            </a:r>
+            <a:r>
+              <a:rPr lang="ru-RU" sz="2800" dirty="0" smtClean="0">
+                <a:latin typeface="+mj-lt"/>
+                <a:ea typeface="+mj-ea"/>
+                <a:cs typeface="+mj-cs"/>
+              </a:rPr>
+              <a:t>платы.</a:t>
+            </a:r>
+            <a:endParaRPr kumimoji="0" lang="ru-RU" sz="2800" b="0" i="0" u="none" strike="noStrike" kern="1200" cap="none" spc="0" normalizeH="0" baseline="0" noProof="0" dirty="0">
+              <a:ln>
+                <a:noFill/>
+              </a:ln>
+              <a:solidFill>
+                <a:schemeClr val="tx1"/>
+              </a:solidFill>
+              <a:effectLst/>
+              <a:uLnTx/>
+              <a:uFillTx/>
               <a:latin typeface="+mj-lt"/>
+              <a:ea typeface="+mj-ea"/>
+              <a:cs typeface="+mj-cs"/>
             </a:endParaRPr>
           </a:p>
         </p:txBody>
       </p:sp>
+      <p:sp>
+        <p:nvSpPr>
+          <p:cNvPr id="5" name="Заголовок 1">
+            <a:extLst>
+              <a:ext uri="{FF2B5EF4-FFF2-40B4-BE49-F238E27FC236}">
+                <a16:creationId xmlns="" xmlns:a16="http://schemas.microsoft.com/office/drawing/2014/main" id="{07BD282D-ADB0-4451-9F5A-C696401068EE}"/>
+              </a:ext>
+            </a:extLst>
+          </p:cNvPr>
+          <p:cNvSpPr txBox="1">
+            <a:spLocks/>
+          </p:cNvSpPr>
+          <p:nvPr/>
+        </p:nvSpPr>
+        <p:spPr>
+          <a:xfrm>
+            <a:off x="863600" y="2524125"/>
+            <a:ext cx="10515600" cy="1108075"/>
+          </a:xfrm>
+          <a:prstGeom prst="rect">
+            <a:avLst/>
+          </a:prstGeom>
+        </p:spPr>
+        <p:txBody>
+          <a:bodyPr vert="horz" lIns="91440" tIns="45720" rIns="91440" bIns="45720" rtlCol="0" anchor="ctr">
+            <a:normAutofit/>
+          </a:bodyPr>
+          <a:lstStyle/>
+          <a:p>
+            <a:pPr marL="0" marR="0" lvl="0" indent="0" algn="l" defTabSz="914400" rtl="0" eaLnBrk="1" fontAlgn="auto" latinLnBrk="0" hangingPunct="1">
+              <a:lnSpc>
+                <a:spcPct val="90000"/>
+              </a:lnSpc>
+              <a:spcBef>
+                <a:spcPct val="0"/>
+              </a:spcBef>
+              <a:spcAft>
+                <a:spcPts val="0"/>
+              </a:spcAft>
+              <a:buClrTx/>
+              <a:buSzTx/>
+              <a:buFontTx/>
+              <a:buNone/>
+              <a:tabLst/>
+              <a:defRPr/>
+            </a:pPr>
+            <a:r>
+              <a:rPr kumimoji="0" lang="ru-RU" sz="4400" b="0" i="0" u="none" strike="noStrike" kern="1200" cap="none" spc="0" normalizeH="0" baseline="0" noProof="0" dirty="0" smtClean="0">
+                <a:ln>
+                  <a:noFill/>
+                </a:ln>
+                <a:solidFill>
+                  <a:schemeClr val="tx1"/>
+                </a:solidFill>
+                <a:effectLst/>
+                <a:uLnTx/>
+                <a:uFillTx/>
+                <a:latin typeface="+mj-lt"/>
+                <a:ea typeface="+mj-ea"/>
+                <a:cs typeface="+mj-cs"/>
+              </a:rPr>
+              <a:t>Задачи ВКР</a:t>
+            </a:r>
+            <a:r>
+              <a:rPr kumimoji="0" lang="en-US" sz="4400" b="0" i="0" u="none" strike="noStrike" kern="1200" cap="none" spc="0" normalizeH="0" baseline="0" noProof="0" dirty="0" smtClean="0">
+                <a:ln>
+                  <a:noFill/>
+                </a:ln>
+                <a:solidFill>
+                  <a:schemeClr val="tx1"/>
+                </a:solidFill>
+                <a:effectLst/>
+                <a:uLnTx/>
+                <a:uFillTx/>
+                <a:latin typeface="+mj-lt"/>
+                <a:ea typeface="+mj-ea"/>
+                <a:cs typeface="+mj-cs"/>
+              </a:rPr>
+              <a:t>:</a:t>
+            </a:r>
+            <a:endParaRPr kumimoji="0" lang="ru-RU" sz="4400" b="0" i="0" u="none" strike="noStrike" kern="1200" cap="none" spc="0" normalizeH="0" baseline="0" noProof="0" dirty="0">
+              <a:ln>
+                <a:noFill/>
+              </a:ln>
+              <a:solidFill>
+                <a:schemeClr val="tx1"/>
+              </a:solidFill>
+              <a:effectLst/>
+              <a:uLnTx/>
+              <a:uFillTx/>
+              <a:latin typeface="+mj-lt"/>
+              <a:ea typeface="+mj-ea"/>
+              <a:cs typeface="+mj-cs"/>
+            </a:endParaRPr>
+          </a:p>
+        </p:txBody>
+      </p:sp>
+      <p:sp>
+        <p:nvSpPr>
+          <p:cNvPr id="6" name="Объект 2">
+            <a:extLst>
+              <a:ext uri="{FF2B5EF4-FFF2-40B4-BE49-F238E27FC236}">
+                <a16:creationId xmlns="" xmlns:a16="http://schemas.microsoft.com/office/drawing/2014/main" id="{AE4113E0-93C0-48DF-B569-C803F448C2DE}"/>
+              </a:ext>
+            </a:extLst>
+          </p:cNvPr>
+          <p:cNvSpPr>
+            <a:spLocks noGrp="1"/>
+          </p:cNvSpPr>
+          <p:nvPr>
+            <p:ph idx="1"/>
+          </p:nvPr>
+        </p:nvSpPr>
+        <p:spPr>
+          <a:xfrm>
+            <a:off x="863600" y="3441700"/>
+            <a:ext cx="10909300" cy="3263900"/>
+          </a:xfrm>
+        </p:spPr>
+        <p:txBody>
+          <a:bodyPr>
+            <a:noAutofit/>
+          </a:bodyPr>
+          <a:lstStyle/>
+          <a:p>
+            <a:pPr indent="450000" algn="just">
+              <a:spcBef>
+                <a:spcPts val="600"/>
+              </a:spcBef>
+              <a:spcAft>
+                <a:spcPts val="600"/>
+              </a:spcAft>
+            </a:pPr>
+            <a:r>
+              <a:rPr lang="ru-RU" sz="2000" dirty="0" smtClean="0">
+                <a:solidFill>
+                  <a:srgbClr val="000000"/>
+                </a:solidFill>
+                <a:latin typeface="Times New Roman" pitchFamily="18" charset="0"/>
+                <a:cs typeface="Times New Roman" pitchFamily="18" charset="0"/>
+              </a:rPr>
+              <a:t>Исследовать предметную область</a:t>
+            </a:r>
+            <a:endParaRPr lang="ru-RU" sz="2000" dirty="0" smtClean="0">
+              <a:latin typeface="Times New Roman" pitchFamily="18" charset="0"/>
+              <a:cs typeface="Times New Roman" pitchFamily="18" charset="0"/>
+            </a:endParaRPr>
+          </a:p>
+          <a:p>
+            <a:pPr indent="450000" algn="just">
+              <a:lnSpc>
+                <a:spcPct val="150000"/>
+              </a:lnSpc>
+              <a:spcBef>
+                <a:spcPts val="600"/>
+              </a:spcBef>
+              <a:spcAft>
+                <a:spcPts val="600"/>
+              </a:spcAft>
+            </a:pPr>
+            <a:r>
+              <a:rPr lang="ru-RU" sz="2000" dirty="0" smtClean="0">
+                <a:solidFill>
+                  <a:srgbClr val="000000"/>
+                </a:solidFill>
+                <a:latin typeface="Times New Roman" pitchFamily="18" charset="0"/>
+                <a:ea typeface="Times New Roman" panose="02020603050405020304" pitchFamily="18" charset="0"/>
+                <a:cs typeface="Times New Roman" pitchFamily="18" charset="0"/>
+              </a:rPr>
+              <a:t>Исследовать бизнес-процессы.</a:t>
+            </a:r>
+            <a:endParaRPr lang="en-US" sz="2000" dirty="0" smtClean="0">
+              <a:solidFill>
+                <a:srgbClr val="000000"/>
+              </a:solidFill>
+              <a:effectLst/>
+              <a:latin typeface="Times New Roman" pitchFamily="18" charset="0"/>
+              <a:ea typeface="Times New Roman" panose="02020603050405020304" pitchFamily="18" charset="0"/>
+              <a:cs typeface="Times New Roman" pitchFamily="18" charset="0"/>
+            </a:endParaRPr>
+          </a:p>
+          <a:p>
+            <a:pPr indent="450000" algn="just">
+              <a:lnSpc>
+                <a:spcPct val="150000"/>
+              </a:lnSpc>
+              <a:spcBef>
+                <a:spcPts val="600"/>
+              </a:spcBef>
+              <a:spcAft>
+                <a:spcPts val="600"/>
+              </a:spcAft>
+            </a:pPr>
+            <a:r>
+              <a:rPr lang="ru-RU" sz="2000" dirty="0" smtClean="0">
+                <a:solidFill>
+                  <a:srgbClr val="000000"/>
+                </a:solidFill>
+                <a:latin typeface="Times New Roman" pitchFamily="18" charset="0"/>
+                <a:ea typeface="Times New Roman" panose="02020603050405020304" pitchFamily="18" charset="0"/>
+                <a:cs typeface="Times New Roman" pitchFamily="18" charset="0"/>
+              </a:rPr>
+              <a:t>Разработать диаграммы.</a:t>
+            </a:r>
+            <a:endParaRPr lang="en-US" sz="2000" dirty="0" smtClean="0">
+              <a:solidFill>
+                <a:srgbClr val="000000"/>
+              </a:solidFill>
+              <a:latin typeface="Times New Roman" pitchFamily="18" charset="0"/>
+              <a:ea typeface="Times New Roman" panose="02020603050405020304" pitchFamily="18" charset="0"/>
+              <a:cs typeface="Times New Roman" pitchFamily="18" charset="0"/>
+            </a:endParaRPr>
+          </a:p>
+          <a:p>
+            <a:pPr indent="450000" algn="just">
+              <a:spcBef>
+                <a:spcPts val="600"/>
+              </a:spcBef>
+              <a:spcAft>
+                <a:spcPts val="600"/>
+              </a:spcAft>
+            </a:pPr>
+            <a:r>
+              <a:rPr lang="ru-RU" sz="2000" dirty="0" smtClean="0">
+                <a:solidFill>
+                  <a:srgbClr val="000000"/>
+                </a:solidFill>
+                <a:latin typeface="Times New Roman" pitchFamily="18" charset="0"/>
+                <a:ea typeface="Times New Roman" panose="02020603050405020304" pitchFamily="18" charset="0"/>
+                <a:cs typeface="Times New Roman" pitchFamily="18" charset="0"/>
+              </a:rPr>
+              <a:t>Разработать конфигурацию.</a:t>
+            </a:r>
+          </a:p>
+          <a:p>
+            <a:pPr indent="450000" algn="just">
+              <a:spcBef>
+                <a:spcPts val="600"/>
+              </a:spcBef>
+              <a:spcAft>
+                <a:spcPts val="600"/>
+              </a:spcAft>
+            </a:pPr>
+            <a:r>
+              <a:rPr lang="ru-RU" sz="2000" dirty="0" smtClean="0">
+                <a:solidFill>
+                  <a:srgbClr val="000000"/>
+                </a:solidFill>
+                <a:effectLst/>
+                <a:latin typeface="Times New Roman" pitchFamily="18" charset="0"/>
+                <a:ea typeface="Times New Roman" panose="02020603050405020304" pitchFamily="18" charset="0"/>
+                <a:cs typeface="Times New Roman" pitchFamily="18" charset="0"/>
+              </a:rPr>
+              <a:t>Провести тестирование конфигурации.</a:t>
+            </a:r>
+            <a:endParaRPr lang="en-US" sz="2000" dirty="0" smtClean="0">
+              <a:solidFill>
+                <a:srgbClr val="000000"/>
+              </a:solidFill>
+              <a:effectLst/>
+              <a:latin typeface="Times New Roman" pitchFamily="18" charset="0"/>
+              <a:ea typeface="Times New Roman" panose="02020603050405020304" pitchFamily="18" charset="0"/>
+              <a:cs typeface="Times New Roman" pitchFamily="18" charset="0"/>
+            </a:endParaRPr>
+          </a:p>
+          <a:p>
+            <a:pPr indent="450000" algn="just">
+              <a:spcBef>
+                <a:spcPts val="600"/>
+              </a:spcBef>
+              <a:spcAft>
+                <a:spcPts val="600"/>
+              </a:spcAft>
+            </a:pPr>
+            <a:r>
+              <a:rPr lang="ru-RU" sz="2000" dirty="0" smtClean="0">
+                <a:solidFill>
+                  <a:srgbClr val="000000"/>
+                </a:solidFill>
+                <a:latin typeface="Times New Roman" pitchFamily="18" charset="0"/>
+                <a:ea typeface="Times New Roman" panose="02020603050405020304" pitchFamily="18" charset="0"/>
+                <a:cs typeface="Times New Roman" pitchFamily="18" charset="0"/>
+              </a:rPr>
+              <a:t>Рассчитать стоимость работы и выявить экономическую </a:t>
+            </a:r>
+            <a:r>
+              <a:rPr lang="ru-RU" sz="2000" dirty="0" smtClean="0">
+                <a:solidFill>
+                  <a:srgbClr val="000000"/>
+                </a:solidFill>
+                <a:latin typeface="Times New Roman" pitchFamily="18" charset="0"/>
+                <a:ea typeface="Times New Roman" panose="02020603050405020304" pitchFamily="18" charset="0"/>
+                <a:cs typeface="Times New Roman" pitchFamily="18" charset="0"/>
+              </a:rPr>
+              <a:t>эффективность</a:t>
+            </a:r>
+            <a:r>
+              <a:rPr lang="ru-RU" sz="2000" dirty="0" smtClean="0">
+                <a:solidFill>
+                  <a:srgbClr val="000000"/>
+                </a:solidFill>
+                <a:latin typeface="Times New Roman" pitchFamily="18" charset="0"/>
+                <a:ea typeface="Times New Roman" panose="02020603050405020304" pitchFamily="18" charset="0"/>
+                <a:cs typeface="Times New Roman" pitchFamily="18" charset="0"/>
+              </a:rPr>
+              <a:t>.</a:t>
+            </a:r>
+            <a:endParaRPr lang="ru-RU" sz="2000" dirty="0" smtClean="0">
+              <a:solidFill>
+                <a:srgbClr val="000000"/>
+              </a:solidFill>
+              <a:effectLst/>
+              <a:latin typeface="Times New Roman" pitchFamily="18" charset="0"/>
+              <a:ea typeface="Times New Roman" panose="02020603050405020304" pitchFamily="18" charset="0"/>
+              <a:cs typeface="Times New Roman" pitchFamily="18" charset="0"/>
+            </a:endParaRPr>
+          </a:p>
+          <a:p>
+            <a:pPr indent="450000" algn="just">
+              <a:spcBef>
+                <a:spcPts val="600"/>
+              </a:spcBef>
+              <a:spcAft>
+                <a:spcPts val="600"/>
+              </a:spcAft>
+            </a:pPr>
+            <a:r>
+              <a:rPr lang="ru-RU" sz="2000" dirty="0" smtClean="0">
+                <a:solidFill>
+                  <a:srgbClr val="000000"/>
+                </a:solidFill>
+                <a:latin typeface="Times New Roman" pitchFamily="18" charset="0"/>
+                <a:ea typeface="Times New Roman" panose="02020603050405020304" pitchFamily="18" charset="0"/>
+                <a:cs typeface="Times New Roman" pitchFamily="18" charset="0"/>
+              </a:rPr>
+              <a:t>Произвести поиск и подбор специализированной литературы</a:t>
+            </a:r>
+            <a:r>
+              <a:rPr lang="en-US" sz="2000" dirty="0" smtClean="0">
+                <a:solidFill>
+                  <a:srgbClr val="000000"/>
+                </a:solidFill>
+                <a:latin typeface="Times New Roman" pitchFamily="18" charset="0"/>
+                <a:ea typeface="Times New Roman" panose="02020603050405020304" pitchFamily="18" charset="0"/>
+                <a:cs typeface="Times New Roman" pitchFamily="18" charset="0"/>
+              </a:rPr>
+              <a:t>.</a:t>
+            </a:r>
+            <a:endParaRPr lang="ru-RU" sz="2000" dirty="0" smtClean="0">
+              <a:solidFill>
+                <a:srgbClr val="000000"/>
+              </a:solidFill>
+              <a:effectLst/>
+              <a:latin typeface="Times New Roman" pitchFamily="18" charset="0"/>
+              <a:ea typeface="Times New Roman" panose="02020603050405020304" pitchFamily="18" charset="0"/>
+              <a:cs typeface="Times New Roman" pitchFamily="18" charset="0"/>
+            </a:endParaRPr>
+          </a:p>
+        </p:txBody>
+      </p:sp>
+      <p:pic>
+        <p:nvPicPr>
+          <p:cNvPr id="7" name="Рисунок 6">
+            <a:extLst>
+              <a:ext uri="{FF2B5EF4-FFF2-40B4-BE49-F238E27FC236}">
+                <a16:creationId xmlns:a16="http://schemas.microsoft.com/office/drawing/2014/main" xmlns="" id="{B105D240-3D6D-4701-913E-3120F404C76E}"/>
+              </a:ext>
+            </a:extLst>
+          </p:cNvPr>
+          <p:cNvPicPr>
+            <a:picLocks noChangeAspect="1"/>
+          </p:cNvPicPr>
+          <p:nvPr/>
+        </p:nvPicPr>
+        <p:blipFill>
+          <a:blip r:embed="rId2" cstate="print"/>
+          <a:stretch>
+            <a:fillRect/>
+          </a:stretch>
+        </p:blipFill>
+        <p:spPr>
+          <a:xfrm>
+            <a:off x="275931" y="5946389"/>
+            <a:ext cx="699659" cy="721022"/>
+          </a:xfrm>
+          <a:prstGeom prst="rect">
+            <a:avLst/>
+          </a:prstGeom>
+        </p:spPr>
+      </p:pic>
     </p:spTree>
     <p:extLst>
       <p:ext uri="{BB962C8B-B14F-4D97-AF65-F5344CB8AC3E}">
-        <p14:creationId xmlns:p14="http://schemas.microsoft.com/office/powerpoint/2010/main" xmlns="" val="711533303"/>
+        <p14:creationId xmlns="" xmlns:p14="http://schemas.microsoft.com/office/powerpoint/2010/main" val="711533303"/>
       </p:ext>
     </p:extLst>
   </p:cSld>
@@ -4005,7 +5620,7 @@
           <p:cNvPr id="2" name="Заголовок 1">
             <a:extLst>
               <a:ext uri="{FF2B5EF4-FFF2-40B4-BE49-F238E27FC236}">
-                <a16:creationId xmlns:a16="http://schemas.microsoft.com/office/drawing/2014/main" xmlns="" id="{07BD282D-ADB0-4451-9F5A-C696401068EE}"/>
+                <a16:creationId xmlns="" xmlns:a16="http://schemas.microsoft.com/office/drawing/2014/main" id="{80FF98DE-F222-4CF2-86B4-CF5E013C8498}"/>
               </a:ext>
             </a:extLst>
           </p:cNvPr>
@@ -4023,7 +5638,7 @@
           <a:p>
             <a:r>
               <a:rPr lang="ru-RU" dirty="0"/>
-              <a:t>Задачи проекта</a:t>
+              <a:t>Использованные технологии</a:t>
             </a:r>
           </a:p>
         </p:txBody>
@@ -4033,7 +5648,7 @@
           <p:cNvPr id="3" name="Объект 2">
             <a:extLst>
               <a:ext uri="{FF2B5EF4-FFF2-40B4-BE49-F238E27FC236}">
-                <a16:creationId xmlns:a16="http://schemas.microsoft.com/office/drawing/2014/main" xmlns="" id="{AE4113E0-93C0-48DF-B569-C803F448C2DE}"/>
+                <a16:creationId xmlns="" xmlns:a16="http://schemas.microsoft.com/office/drawing/2014/main" id="{0E284D28-8BD8-4E51-B715-AFF9CB5EA3B6}"/>
               </a:ext>
             </a:extLst>
           </p:cNvPr>
@@ -4046,250 +5661,122 @@
         </p:nvSpPr>
         <p:spPr/>
         <p:txBody>
-          <a:bodyPr>
-            <a:normAutofit/>
-          </a:bodyPr>
+          <a:bodyPr/>
           <a:lstStyle/>
           <a:p>
-            <a:pPr indent="450000" algn="just">
-              <a:spcBef>
-                <a:spcPts val="600"/>
-              </a:spcBef>
-              <a:spcAft>
-                <a:spcPts val="600"/>
-              </a:spcAft>
-            </a:pPr>
-            <a:r>
-              <a:rPr lang="ru-RU" sz="2000" dirty="0" smtClean="0">
-                <a:solidFill>
-                  <a:srgbClr val="000000"/>
-                </a:solidFill>
-                <a:latin typeface="Times New Roman" pitchFamily="18" charset="0"/>
-                <a:cs typeface="Times New Roman" pitchFamily="18" charset="0"/>
-              </a:rPr>
-              <a:t>Исследовать предметную область</a:t>
-            </a:r>
-            <a:endParaRPr lang="ru-RU" sz="2000" dirty="0" smtClean="0">
-              <a:latin typeface="Times New Roman" pitchFamily="18" charset="0"/>
-              <a:cs typeface="Times New Roman" pitchFamily="18" charset="0"/>
-            </a:endParaRPr>
-          </a:p>
-          <a:p>
-            <a:pPr indent="450000" algn="just">
-              <a:lnSpc>
-                <a:spcPct val="150000"/>
-              </a:lnSpc>
-              <a:spcBef>
-                <a:spcPts val="600"/>
-              </a:spcBef>
-              <a:spcAft>
-                <a:spcPts val="600"/>
-              </a:spcAft>
-            </a:pPr>
-            <a:r>
-              <a:rPr lang="ru-RU" sz="2000" dirty="0" smtClean="0">
-                <a:solidFill>
-                  <a:srgbClr val="000000"/>
-                </a:solidFill>
-                <a:latin typeface="Times New Roman" pitchFamily="18" charset="0"/>
-                <a:ea typeface="Times New Roman" panose="02020603050405020304" pitchFamily="18" charset="0"/>
-                <a:cs typeface="Times New Roman" pitchFamily="18" charset="0"/>
-              </a:rPr>
-              <a:t>Исследовать бизнес-процессы.</a:t>
-            </a:r>
-            <a:endParaRPr lang="en-US" sz="2000" dirty="0" smtClean="0">
-              <a:solidFill>
-                <a:srgbClr val="000000"/>
-              </a:solidFill>
-              <a:effectLst/>
-              <a:latin typeface="Times New Roman" pitchFamily="18" charset="0"/>
-              <a:ea typeface="Times New Roman" panose="02020603050405020304" pitchFamily="18" charset="0"/>
-              <a:cs typeface="Times New Roman" pitchFamily="18" charset="0"/>
-            </a:endParaRPr>
-          </a:p>
-          <a:p>
-            <a:pPr indent="450000" algn="just">
-              <a:lnSpc>
-                <a:spcPct val="150000"/>
-              </a:lnSpc>
-              <a:spcBef>
-                <a:spcPts val="600"/>
-              </a:spcBef>
-              <a:spcAft>
-                <a:spcPts val="600"/>
-              </a:spcAft>
-            </a:pPr>
-            <a:r>
-              <a:rPr lang="ru-RU" sz="2000" dirty="0" smtClean="0">
-                <a:solidFill>
-                  <a:srgbClr val="000000"/>
-                </a:solidFill>
-                <a:latin typeface="Times New Roman" pitchFamily="18" charset="0"/>
-                <a:ea typeface="Times New Roman" panose="02020603050405020304" pitchFamily="18" charset="0"/>
-                <a:cs typeface="Times New Roman" pitchFamily="18" charset="0"/>
-              </a:rPr>
-              <a:t>Разработать диаграммы.</a:t>
-            </a:r>
-            <a:endParaRPr lang="en-US" sz="2000" dirty="0" smtClean="0">
-              <a:solidFill>
-                <a:srgbClr val="000000"/>
-              </a:solidFill>
-              <a:latin typeface="Times New Roman" pitchFamily="18" charset="0"/>
-              <a:ea typeface="Times New Roman" panose="02020603050405020304" pitchFamily="18" charset="0"/>
-              <a:cs typeface="Times New Roman" pitchFamily="18" charset="0"/>
-            </a:endParaRPr>
-          </a:p>
-          <a:p>
-            <a:pPr indent="450000" algn="just">
-              <a:spcBef>
-                <a:spcPts val="600"/>
-              </a:spcBef>
-              <a:spcAft>
-                <a:spcPts val="600"/>
-              </a:spcAft>
-            </a:pPr>
-            <a:r>
-              <a:rPr lang="ru-RU" sz="2000" dirty="0" smtClean="0">
-                <a:solidFill>
-                  <a:srgbClr val="000000"/>
-                </a:solidFill>
-                <a:latin typeface="Times New Roman" pitchFamily="18" charset="0"/>
-                <a:ea typeface="Times New Roman" panose="02020603050405020304" pitchFamily="18" charset="0"/>
-                <a:cs typeface="Times New Roman" pitchFamily="18" charset="0"/>
-              </a:rPr>
-              <a:t>Разработать конфигурацию.</a:t>
-            </a:r>
-          </a:p>
-          <a:p>
-            <a:pPr indent="450000" algn="just">
-              <a:spcBef>
-                <a:spcPts val="600"/>
-              </a:spcBef>
-              <a:spcAft>
-                <a:spcPts val="600"/>
-              </a:spcAft>
-            </a:pPr>
-            <a:r>
-              <a:rPr lang="ru-RU" sz="2000" dirty="0" smtClean="0">
-                <a:solidFill>
-                  <a:srgbClr val="000000"/>
-                </a:solidFill>
-                <a:effectLst/>
-                <a:latin typeface="Times New Roman" pitchFamily="18" charset="0"/>
-                <a:ea typeface="Times New Roman" panose="02020603050405020304" pitchFamily="18" charset="0"/>
-                <a:cs typeface="Times New Roman" pitchFamily="18" charset="0"/>
-              </a:rPr>
-              <a:t>Провести тестирование конфигурации.</a:t>
-            </a:r>
-            <a:endParaRPr lang="en-US" sz="2000" dirty="0" smtClean="0">
-              <a:solidFill>
-                <a:srgbClr val="000000"/>
-              </a:solidFill>
-              <a:effectLst/>
-              <a:latin typeface="Times New Roman" pitchFamily="18" charset="0"/>
-              <a:ea typeface="Times New Roman" panose="02020603050405020304" pitchFamily="18" charset="0"/>
-              <a:cs typeface="Times New Roman" pitchFamily="18" charset="0"/>
-            </a:endParaRPr>
-          </a:p>
-          <a:p>
-            <a:pPr indent="450000" algn="just">
-              <a:spcBef>
-                <a:spcPts val="600"/>
-              </a:spcBef>
-              <a:spcAft>
-                <a:spcPts val="600"/>
-              </a:spcAft>
-            </a:pPr>
-            <a:r>
-              <a:rPr lang="ru-RU" sz="2000" dirty="0" smtClean="0">
-                <a:solidFill>
-                  <a:srgbClr val="000000"/>
-                </a:solidFill>
-                <a:latin typeface="Times New Roman" pitchFamily="18" charset="0"/>
-                <a:ea typeface="Times New Roman" panose="02020603050405020304" pitchFamily="18" charset="0"/>
-                <a:cs typeface="Times New Roman" pitchFamily="18" charset="0"/>
-              </a:rPr>
-              <a:t>Рассчитать стоимость работы и выявить экономическую эффективность</a:t>
-            </a:r>
-            <a:r>
-              <a:rPr lang="en-US" sz="2000" dirty="0" smtClean="0">
-                <a:solidFill>
-                  <a:srgbClr val="000000"/>
-                </a:solidFill>
-                <a:latin typeface="Times New Roman" pitchFamily="18" charset="0"/>
-                <a:ea typeface="Times New Roman" panose="02020603050405020304" pitchFamily="18" charset="0"/>
-                <a:cs typeface="Times New Roman" pitchFamily="18" charset="0"/>
-              </a:rPr>
-              <a:t>;</a:t>
-            </a:r>
-            <a:endParaRPr lang="ru-RU" sz="2000" dirty="0" smtClean="0">
-              <a:solidFill>
-                <a:srgbClr val="000000"/>
-              </a:solidFill>
-              <a:effectLst/>
-              <a:latin typeface="Times New Roman" pitchFamily="18" charset="0"/>
-              <a:ea typeface="Times New Roman" panose="02020603050405020304" pitchFamily="18" charset="0"/>
-              <a:cs typeface="Times New Roman" pitchFamily="18" charset="0"/>
-            </a:endParaRPr>
-          </a:p>
-          <a:p>
-            <a:pPr indent="450000" algn="just">
-              <a:spcBef>
-                <a:spcPts val="600"/>
-              </a:spcBef>
-              <a:spcAft>
-                <a:spcPts val="600"/>
-              </a:spcAft>
-            </a:pPr>
-            <a:r>
-              <a:rPr lang="ru-RU" sz="2000" smtClean="0">
-                <a:solidFill>
-                  <a:srgbClr val="000000"/>
-                </a:solidFill>
-                <a:latin typeface="Times New Roman" pitchFamily="18" charset="0"/>
-                <a:ea typeface="Times New Roman" panose="02020603050405020304" pitchFamily="18" charset="0"/>
-                <a:cs typeface="Times New Roman" pitchFamily="18" charset="0"/>
-              </a:rPr>
-              <a:t>Произвести поиск </a:t>
-            </a:r>
-            <a:r>
-              <a:rPr lang="ru-RU" sz="2000" dirty="0" smtClean="0">
-                <a:solidFill>
-                  <a:srgbClr val="000000"/>
-                </a:solidFill>
-                <a:latin typeface="Times New Roman" pitchFamily="18" charset="0"/>
-                <a:ea typeface="Times New Roman" panose="02020603050405020304" pitchFamily="18" charset="0"/>
-                <a:cs typeface="Times New Roman" pitchFamily="18" charset="0"/>
-              </a:rPr>
-              <a:t>и подбор специализированной литературы</a:t>
-            </a:r>
-            <a:r>
-              <a:rPr lang="en-US" sz="2000" dirty="0" smtClean="0">
-                <a:solidFill>
-                  <a:srgbClr val="000000"/>
-                </a:solidFill>
-                <a:latin typeface="Times New Roman" pitchFamily="18" charset="0"/>
-                <a:ea typeface="Times New Roman" panose="02020603050405020304" pitchFamily="18" charset="0"/>
-                <a:cs typeface="Times New Roman" pitchFamily="18" charset="0"/>
-              </a:rPr>
-              <a:t>.</a:t>
-            </a:r>
-            <a:endParaRPr lang="ru-RU" sz="2000" dirty="0" smtClean="0">
-              <a:solidFill>
-                <a:srgbClr val="000000"/>
-              </a:solidFill>
-              <a:effectLst/>
-              <a:latin typeface="Times New Roman" pitchFamily="18" charset="0"/>
-              <a:ea typeface="Times New Roman" panose="02020603050405020304" pitchFamily="18" charset="0"/>
-              <a:cs typeface="Times New Roman" pitchFamily="18" charset="0"/>
-            </a:endParaRPr>
-          </a:p>
-        </p:txBody>
-      </p:sp>
+            <a:r>
+              <a:rPr lang="ru-RU" dirty="0" smtClean="0"/>
+              <a:t>1С</a:t>
+            </a:r>
+            <a:r>
+              <a:rPr lang="en-US" dirty="0" smtClean="0"/>
+              <a:t> </a:t>
+            </a:r>
+            <a:r>
+              <a:rPr lang="ru-RU" dirty="0" smtClean="0"/>
+              <a:t>Предприятие</a:t>
+            </a:r>
+            <a:endParaRPr lang="en-US" dirty="0"/>
+          </a:p>
+          <a:p>
+            <a:r>
+              <a:rPr lang="ru-RU" dirty="0" smtClean="0"/>
+              <a:t> </a:t>
+            </a:r>
+            <a:r>
+              <a:rPr lang="en-US" dirty="0" smtClean="0"/>
+              <a:t>Draw.io </a:t>
+            </a:r>
+            <a:endParaRPr lang="en-US" dirty="0"/>
+          </a:p>
+        </p:txBody>
+      </p:sp>
+      <p:pic>
+        <p:nvPicPr>
+          <p:cNvPr id="6146" name="Picture 2" descr="Что входит в 1С Предприятие | Что такое программа 1С"/>
+          <p:cNvPicPr>
+            <a:picLocks noChangeAspect="1" noChangeArrowheads="1"/>
+          </p:cNvPicPr>
+          <p:nvPr/>
+        </p:nvPicPr>
+        <p:blipFill>
+          <a:blip r:embed="rId2" cstate="print"/>
+          <a:srcRect/>
+          <a:stretch>
+            <a:fillRect/>
+          </a:stretch>
+        </p:blipFill>
+        <p:spPr bwMode="auto">
+          <a:xfrm>
+            <a:off x="1552575" y="2941637"/>
+            <a:ext cx="3371850" cy="2524126"/>
+          </a:xfrm>
+          <a:prstGeom prst="rect">
+            <a:avLst/>
+          </a:prstGeom>
+          <a:noFill/>
+        </p:spPr>
+      </p:pic>
+      <p:pic>
+        <p:nvPicPr>
+          <p:cNvPr id="6148" name="Picture 4" descr="draw.io Diagrams — бесплатно скачайте и установите в Windows | Microsoft  Store"/>
+          <p:cNvPicPr>
+            <a:picLocks noChangeAspect="1" noChangeArrowheads="1"/>
+          </p:cNvPicPr>
+          <p:nvPr/>
+        </p:nvPicPr>
+        <p:blipFill>
+          <a:blip r:embed="rId3" cstate="print"/>
+          <a:srcRect/>
+          <a:stretch>
+            <a:fillRect/>
+          </a:stretch>
+        </p:blipFill>
+        <p:spPr bwMode="auto">
+          <a:xfrm>
+            <a:off x="6790503" y="2752895"/>
+            <a:ext cx="2787295" cy="2787296"/>
+          </a:xfrm>
+          <a:prstGeom prst="rect">
+            <a:avLst/>
+          </a:prstGeom>
+          <a:noFill/>
+        </p:spPr>
+      </p:pic>
+      <p:pic>
+        <p:nvPicPr>
+          <p:cNvPr id="8" name="Рисунок 7">
+            <a:extLst>
+              <a:ext uri="{FF2B5EF4-FFF2-40B4-BE49-F238E27FC236}">
+                <a16:creationId xmlns:a16="http://schemas.microsoft.com/office/drawing/2014/main" xmlns="" id="{B105D240-3D6D-4701-913E-3120F404C76E}"/>
+              </a:ext>
+            </a:extLst>
+          </p:cNvPr>
+          <p:cNvPicPr>
+            <a:picLocks noChangeAspect="1"/>
+          </p:cNvPicPr>
+          <p:nvPr/>
+        </p:nvPicPr>
+        <p:blipFill>
+          <a:blip r:embed="rId4" cstate="print"/>
+          <a:stretch>
+            <a:fillRect/>
+          </a:stretch>
+        </p:blipFill>
+        <p:spPr>
+          <a:xfrm>
+            <a:off x="275931" y="5946389"/>
+            <a:ext cx="699659" cy="721022"/>
+          </a:xfrm>
+          <a:prstGeom prst="rect">
+            <a:avLst/>
+          </a:prstGeom>
+        </p:spPr>
+      </p:pic>
     </p:spTree>
     <p:extLst>
       <p:ext uri="{BB962C8B-B14F-4D97-AF65-F5344CB8AC3E}">
-        <p14:creationId xmlns:p14="http://schemas.microsoft.com/office/powerpoint/2010/main" xmlns="" val="129227906"/>
+        <p14:creationId xmlns="" xmlns:p14="http://schemas.microsoft.com/office/powerpoint/2010/main" val="1228875376"/>
       </p:ext>
     </p:extLst>
   </p:cSld>
@@ -4321,7 +5808,7 @@
           <p:cNvPr id="2" name="Заголовок 1">
             <a:extLst>
               <a:ext uri="{FF2B5EF4-FFF2-40B4-BE49-F238E27FC236}">
-                <a16:creationId xmlns:a16="http://schemas.microsoft.com/office/drawing/2014/main" xmlns="" id="{80FF98DE-F222-4CF2-86B4-CF5E013C8498}"/>
+                <a16:creationId xmlns="" xmlns:a16="http://schemas.microsoft.com/office/drawing/2014/main" id="{80FF98DE-F222-4CF2-86B4-CF5E013C8498}"/>
               </a:ext>
             </a:extLst>
           </p:cNvPr>
@@ -4338,64 +5825,123 @@
           <a:lstStyle/>
           <a:p>
             <a:r>
-              <a:rPr lang="ru-RU" dirty="0"/>
-              <a:t>Использованные технологии</a:t>
-            </a:r>
-          </a:p>
-        </p:txBody>
-      </p:sp>
-      <p:sp>
-        <p:nvSpPr>
-          <p:cNvPr id="3" name="Объект 2">
-            <a:extLst>
-              <a:ext uri="{FF2B5EF4-FFF2-40B4-BE49-F238E27FC236}">
-                <a16:creationId xmlns:a16="http://schemas.microsoft.com/office/drawing/2014/main" xmlns="" id="{0E284D28-8BD8-4E51-B715-AFF9CB5EA3B6}"/>
-              </a:ext>
-            </a:extLst>
-          </p:cNvPr>
-          <p:cNvSpPr>
-            <a:spLocks noGrp="1"/>
-          </p:cNvSpPr>
+              <a:rPr lang="en-US" dirty="0" smtClean="0"/>
+              <a:t>IDEF0</a:t>
+            </a:r>
+            <a:r>
+              <a:rPr lang="ru-RU" dirty="0" smtClean="0"/>
+              <a:t>-</a:t>
+            </a:r>
+            <a:r>
+              <a:rPr lang="ru-RU" dirty="0" err="1" smtClean="0"/>
+              <a:t>диагрмма</a:t>
+            </a:r>
+            <a:endParaRPr lang="ru-RU" dirty="0"/>
+          </a:p>
+        </p:txBody>
+      </p:sp>
+      <p:pic>
+        <p:nvPicPr>
+          <p:cNvPr id="8" name="Содержимое 7"/>
+          <p:cNvPicPr>
+            <a:picLocks noGrp="1"/>
+          </p:cNvPicPr>
           <p:nvPr>
             <p:ph idx="1"/>
           </p:nvPr>
-        </p:nvSpPr>
-        <p:spPr/>
-        <p:txBody>
-          <a:bodyPr/>
-          <a:lstStyle/>
-          <a:p>
-            <a:r>
-              <a:rPr lang="ru-RU" dirty="0" smtClean="0"/>
-              <a:t>1С</a:t>
-            </a:r>
-            <a:r>
-              <a:rPr lang="en-US" dirty="0" smtClean="0"/>
-              <a:t>: </a:t>
-            </a:r>
-            <a:r>
-              <a:rPr lang="ru-RU" dirty="0" smtClean="0"/>
-              <a:t>Предприятие</a:t>
-            </a:r>
-            <a:endParaRPr lang="en-US" dirty="0"/>
-          </a:p>
-          <a:p>
-            <a:r>
-              <a:rPr lang="ru-RU" dirty="0" smtClean="0"/>
-              <a:t> </a:t>
-            </a:r>
-            <a:r>
-              <a:rPr lang="en-US" dirty="0" smtClean="0"/>
-              <a:t>Draw.io </a:t>
-            </a:r>
-            <a:endParaRPr lang="en-US" dirty="0"/>
-          </a:p>
-        </p:txBody>
-      </p:sp>
+        </p:nvPicPr>
+        <p:blipFill>
+          <a:blip r:embed="rId2" cstate="print"/>
+          <a:srcRect/>
+          <a:stretch>
+            <a:fillRect/>
+          </a:stretch>
+        </p:blipFill>
+        <p:spPr bwMode="auto">
+          <a:xfrm>
+            <a:off x="414803" y="1696534"/>
+            <a:ext cx="5240133" cy="3459965"/>
+          </a:xfrm>
+          <a:prstGeom prst="rect">
+            <a:avLst/>
+          </a:prstGeom>
+          <a:noFill/>
+          <a:ln w="19050">
+            <a:solidFill>
+              <a:schemeClr val="tx1"/>
+            </a:solidFill>
+            <a:round/>
+            <a:headEnd/>
+            <a:tailEnd/>
+          </a:ln>
+        </p:spPr>
+      </p:pic>
+      <p:pic>
+        <p:nvPicPr>
+          <p:cNvPr id="9" name="Рисунок 8"/>
+          <p:cNvPicPr/>
+          <p:nvPr/>
+        </p:nvPicPr>
+        <p:blipFill>
+          <a:blip r:embed="rId3" cstate="print"/>
+          <a:srcRect/>
+          <a:stretch>
+            <a:fillRect/>
+          </a:stretch>
+        </p:blipFill>
+        <p:spPr bwMode="auto">
+          <a:xfrm>
+            <a:off x="5884433" y="1629120"/>
+            <a:ext cx="6174889" cy="4943802"/>
+          </a:xfrm>
+          <a:prstGeom prst="rect">
+            <a:avLst/>
+          </a:prstGeom>
+          <a:noFill/>
+          <a:ln w="15875">
+            <a:solidFill>
+              <a:schemeClr val="tx1"/>
+            </a:solidFill>
+            <a:round/>
+            <a:headEnd/>
+            <a:tailEnd/>
+          </a:ln>
+        </p:spPr>
+      </p:pic>
+      <p:pic>
+        <p:nvPicPr>
+          <p:cNvPr id="10" name="Рисунок 9">
+            <a:extLst>
+              <a:ext uri="{FF2B5EF4-FFF2-40B4-BE49-F238E27FC236}">
+                <a16:creationId xmlns:a16="http://schemas.microsoft.com/office/drawing/2014/main" xmlns="" id="{B105D240-3D6D-4701-913E-3120F404C76E}"/>
+              </a:ext>
+            </a:extLst>
+          </p:cNvPr>
+          <p:cNvPicPr>
+            <a:picLocks noChangeAspect="1"/>
+          </p:cNvPicPr>
+          <p:nvPr/>
+        </p:nvPicPr>
+        <p:blipFill>
+          <a:blip r:embed="rId4" cstate="print"/>
+          <a:stretch>
+            <a:fillRect/>
+          </a:stretch>
+        </p:blipFill>
+        <p:spPr>
+          <a:xfrm>
+            <a:off x="275931" y="5946389"/>
+            <a:ext cx="699659" cy="721022"/>
+          </a:xfrm>
+          <a:prstGeom prst="rect">
+            <a:avLst/>
+          </a:prstGeom>
+        </p:spPr>
+      </p:pic>
     </p:spTree>
     <p:extLst>
       <p:ext uri="{BB962C8B-B14F-4D97-AF65-F5344CB8AC3E}">
-        <p14:creationId xmlns:p14="http://schemas.microsoft.com/office/powerpoint/2010/main" xmlns="" val="1228875376"/>
+        <p14:creationId xmlns="" xmlns:p14="http://schemas.microsoft.com/office/powerpoint/2010/main" val="1228875376"/>
       </p:ext>
     </p:extLst>
   </p:cSld>
@@ -4427,7 +5973,7 @@
           <p:cNvPr id="2" name="Заголовок 1">
             <a:extLst>
               <a:ext uri="{FF2B5EF4-FFF2-40B4-BE49-F238E27FC236}">
-                <a16:creationId xmlns:a16="http://schemas.microsoft.com/office/drawing/2014/main" xmlns="" id="{80FF98DE-F222-4CF2-86B4-CF5E013C8498}"/>
+                <a16:creationId xmlns="" xmlns:a16="http://schemas.microsoft.com/office/drawing/2014/main" id="{80FF98DE-F222-4CF2-86B4-CF5E013C8498}"/>
               </a:ext>
             </a:extLst>
           </p:cNvPr>
@@ -4445,15 +5991,11 @@
           <a:p>
             <a:r>
               <a:rPr lang="en-US" dirty="0" smtClean="0"/>
-              <a:t>IDEF0</a:t>
+              <a:t>ER-</a:t>
             </a:r>
             <a:r>
               <a:rPr lang="ru-RU" dirty="0" smtClean="0"/>
-              <a:t>-</a:t>
-            </a:r>
-            <a:r>
-              <a:rPr lang="ru-RU" dirty="0" err="1" smtClean="0"/>
-              <a:t>диагрмма</a:t>
+              <a:t>диаграмма</a:t>
             </a:r>
             <a:endParaRPr lang="ru-RU" dirty="0"/>
           </a:p>
@@ -4461,34 +6003,48 @@
       </p:sp>
       <p:pic>
         <p:nvPicPr>
-          <p:cNvPr id="5" name="Содержимое 4"/>
-          <p:cNvPicPr>
-            <a:picLocks noGrp="1"/>
-          </p:cNvPicPr>
-          <p:nvPr>
-            <p:ph idx="1"/>
-          </p:nvPr>
+          <p:cNvPr id="6" name="Рисунок 5"/>
+          <p:cNvPicPr/>
+          <p:nvPr/>
         </p:nvPicPr>
         <p:blipFill>
           <a:blip r:embed="rId2" cstate="print"/>
+          <a:srcRect/>
           <a:stretch>
             <a:fillRect/>
           </a:stretch>
         </p:blipFill>
-        <p:spPr>
+        <p:spPr bwMode="auto">
           <a:xfrm>
-            <a:off x="0" y="1587500"/>
-            <a:ext cx="5010669" cy="2959100"/>
+            <a:off x="2022978" y="1742738"/>
+            <a:ext cx="7723450" cy="4679577"/>
           </a:xfrm>
           <a:prstGeom prst="rect">
             <a:avLst/>
           </a:prstGeom>
+          <a:noFill/>
+          <a:ln w="19050">
+            <a:solidFill>
+              <a:schemeClr val="tx1"/>
+            </a:solidFill>
+            <a:round/>
+            <a:headEnd/>
+            <a:tailEnd/>
+          </a:ln>
         </p:spPr>
       </p:pic>
       <p:pic>
         <p:nvPicPr>
-          <p:cNvPr id="6" name="Рисунок 5"/>
-          <p:cNvPicPr/>
+          <p:cNvPr id="10" name="Рисунок 9">
+            <a:extLst>
+              <a:ext uri="{FF2B5EF4-FFF2-40B4-BE49-F238E27FC236}">
+                <a16:creationId xmlns:a16="http://schemas.microsoft.com/office/drawing/2014/main" xmlns="" id="{B105D240-3D6D-4701-913E-3120F404C76E}"/>
+              </a:ext>
+            </a:extLst>
+          </p:cNvPr>
+          <p:cNvPicPr>
+            <a:picLocks noChangeAspect="1"/>
+          </p:cNvPicPr>
           <p:nvPr/>
         </p:nvPicPr>
         <p:blipFill>
@@ -4499,8 +6055,8 @@
         </p:blipFill>
         <p:spPr>
           <a:xfrm>
-            <a:off x="5168900" y="1803400"/>
-            <a:ext cx="7023100" cy="4762500"/>
+            <a:off x="275931" y="5946389"/>
+            <a:ext cx="699659" cy="721022"/>
           </a:xfrm>
           <a:prstGeom prst="rect">
             <a:avLst/>
@@ -4510,7 +6066,7 @@
     </p:spTree>
     <p:extLst>
       <p:ext uri="{BB962C8B-B14F-4D97-AF65-F5344CB8AC3E}">
-        <p14:creationId xmlns:p14="http://schemas.microsoft.com/office/powerpoint/2010/main" xmlns="" val="1228875376"/>
+        <p14:creationId xmlns="" xmlns:p14="http://schemas.microsoft.com/office/powerpoint/2010/main" val="1228875376"/>
       </p:ext>
     </p:extLst>
   </p:cSld>
@@ -4560,7 +6116,7 @@
             <a:pPr algn="ctr"/>
             <a:r>
               <a:rPr lang="ru-RU" dirty="0" smtClean="0"/>
-              <a:t>ПРОЦЕСС РАЗРАБОТКИ</a:t>
+              <a:t>Элементы хранения данных</a:t>
             </a:r>
             <a:endParaRPr lang="ru-RU" dirty="0"/>
           </a:p>
@@ -4568,13 +6124,9 @@
       </p:sp>
       <p:pic>
         <p:nvPicPr>
-          <p:cNvPr id="1029" name="Picture 5"/>
-          <p:cNvPicPr>
-            <a:picLocks noGrp="1" noChangeAspect="1" noChangeArrowheads="1"/>
-          </p:cNvPicPr>
-          <p:nvPr>
-            <p:ph idx="1"/>
-          </p:nvPr>
+          <p:cNvPr id="6" name="Рисунок 5"/>
+          <p:cNvPicPr/>
+          <p:nvPr/>
         </p:nvPicPr>
         <p:blipFill>
           <a:blip r:embed="rId2" cstate="print"/>
@@ -4585,19 +6137,147 @@
         </p:blipFill>
         <p:spPr bwMode="auto">
           <a:xfrm>
-            <a:off x="1601928" y="1631953"/>
-            <a:ext cx="8672372" cy="4659310"/>
+            <a:off x="441065" y="2569340"/>
+            <a:ext cx="3574268" cy="2260844"/>
           </a:xfrm>
           <a:prstGeom prst="rect">
             <a:avLst/>
           </a:prstGeom>
           <a:noFill/>
-          <a:ln w="9525">
-            <a:noFill/>
-            <a:miter lim="800000"/>
+          <a:ln w="19050">
+            <a:solidFill>
+              <a:schemeClr val="tx1"/>
+            </a:solidFill>
+            <a:round/>
             <a:headEnd/>
             <a:tailEnd/>
           </a:ln>
+        </p:spPr>
+      </p:pic>
+      <p:pic>
+        <p:nvPicPr>
+          <p:cNvPr id="7" name="Рисунок 6"/>
+          <p:cNvPicPr/>
+          <p:nvPr/>
+        </p:nvPicPr>
+        <p:blipFill>
+          <a:blip r:embed="rId3" cstate="print"/>
+          <a:srcRect/>
+          <a:stretch>
+            <a:fillRect/>
+          </a:stretch>
+        </p:blipFill>
+        <p:spPr bwMode="auto">
+          <a:xfrm>
+            <a:off x="4205454" y="2547824"/>
+            <a:ext cx="3852023" cy="2239329"/>
+          </a:xfrm>
+          <a:prstGeom prst="rect">
+            <a:avLst/>
+          </a:prstGeom>
+          <a:noFill/>
+          <a:ln w="19050">
+            <a:solidFill>
+              <a:schemeClr val="tx1"/>
+            </a:solidFill>
+            <a:round/>
+            <a:headEnd/>
+            <a:tailEnd/>
+          </a:ln>
+        </p:spPr>
+      </p:pic>
+      <p:pic>
+        <p:nvPicPr>
+          <p:cNvPr id="8" name="Рисунок 7"/>
+          <p:cNvPicPr/>
+          <p:nvPr/>
+        </p:nvPicPr>
+        <p:blipFill>
+          <a:blip r:embed="rId4" cstate="print"/>
+          <a:srcRect/>
+          <a:stretch>
+            <a:fillRect/>
+          </a:stretch>
+        </p:blipFill>
+        <p:spPr bwMode="auto">
+          <a:xfrm>
+            <a:off x="8405531" y="2531968"/>
+            <a:ext cx="3126666" cy="1469876"/>
+          </a:xfrm>
+          <a:prstGeom prst="rect">
+            <a:avLst/>
+          </a:prstGeom>
+          <a:noFill/>
+          <a:ln w="19050">
+            <a:solidFill>
+              <a:schemeClr val="tx1"/>
+            </a:solidFill>
+            <a:round/>
+            <a:headEnd/>
+            <a:tailEnd/>
+          </a:ln>
+        </p:spPr>
+      </p:pic>
+      <p:pic>
+        <p:nvPicPr>
+          <p:cNvPr id="10" name="Рисунок 9"/>
+          <p:cNvPicPr/>
+          <p:nvPr/>
+        </p:nvPicPr>
+        <p:blipFill>
+          <a:blip r:embed="rId5" cstate="print"/>
+          <a:srcRect/>
+          <a:stretch>
+            <a:fillRect/>
+          </a:stretch>
+        </p:blipFill>
+        <p:spPr bwMode="auto">
+          <a:xfrm>
+            <a:off x="8415449" y="4205456"/>
+            <a:ext cx="3105991" cy="613970"/>
+          </a:xfrm>
+          <a:prstGeom prst="rect">
+            <a:avLst/>
+          </a:prstGeom>
+          <a:noFill/>
+          <a:ln w="19050">
+            <a:solidFill>
+              <a:schemeClr val="tx1"/>
+            </a:solidFill>
+            <a:round/>
+            <a:headEnd/>
+            <a:tailEnd/>
+          </a:ln>
+        </p:spPr>
+      </p:pic>
+      <p:pic>
+        <p:nvPicPr>
+          <p:cNvPr id="11" name="Рисунок 10">
+            <a:extLst>
+              <a:ext uri="{FF2B5EF4-FFF2-40B4-BE49-F238E27FC236}">
+                <a16:creationId xmlns:a16="http://schemas.microsoft.com/office/drawing/2014/main" xmlns="" id="{B105D240-3D6D-4701-913E-3120F404C76E}"/>
+              </a:ext>
+            </a:extLst>
+          </p:cNvPr>
+          <p:cNvPicPr>
+            <a:picLocks noChangeAspect="1"/>
+          </p:cNvPicPr>
+          <p:nvPr/>
+        </p:nvPicPr>
+        <p:blipFill>
+          <a:blip r:embed="rId6" cstate="print"/>
+          <a:stretch>
+            <a:fillRect/>
+          </a:stretch>
+        </p:blipFill>
+        <p:spPr>
+          <a:xfrm>
+            <a:off x="275931" y="5946389"/>
+            <a:ext cx="699659" cy="721022"/>
+          </a:xfrm>
+          <a:prstGeom prst="rect">
+            <a:avLst/>
+          </a:prstGeom>
         </p:spPr>
       </p:pic>
     </p:spTree>
@@ -4625,44 +6305,13 @@
           <a:chExt cx="0" cy="0"/>
         </a:xfrm>
       </p:grpSpPr>
-      <p:sp>
-        <p:nvSpPr>
-          <p:cNvPr id="7" name="Заголовок 1"/>
-          <p:cNvSpPr>
-            <a:spLocks noGrp="1"/>
-          </p:cNvSpPr>
-          <p:nvPr>
-            <p:ph type="title"/>
-          </p:nvPr>
-        </p:nvSpPr>
-        <p:spPr>
-          <a:xfrm>
-            <a:off x="0" y="365125"/>
-            <a:ext cx="11976100" cy="1325563"/>
-          </a:xfrm>
-        </p:spPr>
-        <p:txBody>
-          <a:bodyPr/>
-          <a:lstStyle/>
-          <a:p>
-            <a:pPr algn="ctr"/>
-            <a:r>
-              <a:rPr lang="ru-RU" dirty="0" smtClean="0"/>
-              <a:t>ПРОЦЕСС РАЗРАБОТКИ</a:t>
-            </a:r>
-            <a:endParaRPr lang="ru-RU" dirty="0"/>
-          </a:p>
-        </p:txBody>
-      </p:sp>
       <p:pic>
         <p:nvPicPr>
-          <p:cNvPr id="2051" name="Picture 3"/>
+          <p:cNvPr id="3074" name="Picture 2"/>
           <p:cNvPicPr>
-            <a:picLocks noGrp="1" noChangeAspect="1" noChangeArrowheads="1"/>
+            <a:picLocks noChangeAspect="1" noChangeArrowheads="1"/>
           </p:cNvPicPr>
-          <p:nvPr>
-            <p:ph idx="1"/>
-          </p:nvPr>
+          <p:nvPr/>
         </p:nvPicPr>
         <p:blipFill>
           <a:blip r:embed="rId2" cstate="print"/>
@@ -4673,19 +6322,84 @@
         </p:blipFill>
         <p:spPr bwMode="auto">
           <a:xfrm>
-            <a:off x="838200" y="2742699"/>
-            <a:ext cx="10515600" cy="2517190"/>
+            <a:off x="1506071" y="1761481"/>
+            <a:ext cx="8530814" cy="4717497"/>
           </a:xfrm>
           <a:prstGeom prst="rect">
             <a:avLst/>
           </a:prstGeom>
           <a:noFill/>
-          <a:ln w="9525">
-            <a:noFill/>
-            <a:miter lim="800000"/>
+          <a:ln w="19050">
+            <a:solidFill>
+              <a:schemeClr val="tx1"/>
+            </a:solidFill>
+            <a:round/>
             <a:headEnd/>
             <a:tailEnd/>
           </a:ln>
+        </p:spPr>
+      </p:pic>
+      <p:sp>
+        <p:nvSpPr>
+          <p:cNvPr id="10" name="Заголовок 1"/>
+          <p:cNvSpPr>
+            <a:spLocks noGrp="1"/>
+          </p:cNvSpPr>
+          <p:nvPr>
+            <p:ph type="title"/>
+          </p:nvPr>
+        </p:nvSpPr>
+        <p:spPr>
+          <a:xfrm>
+            <a:off x="0" y="365125"/>
+            <a:ext cx="11976100" cy="1325563"/>
+          </a:xfrm>
+        </p:spPr>
+        <p:txBody>
+          <a:bodyPr/>
+          <a:lstStyle/>
+          <a:p>
+            <a:pPr algn="ctr"/>
+            <a:r>
+              <a:rPr lang="ru-RU" dirty="0" smtClean="0"/>
+              <a:t>ПРОЦЕСС </a:t>
+            </a:r>
+            <a:r>
+              <a:rPr lang="ru-RU" dirty="0" smtClean="0"/>
+              <a:t>РАЗРАБОТКИ КОНФИГУРАЦИИ</a:t>
+            </a:r>
+            <a:endParaRPr lang="ru-RU" dirty="0"/>
+          </a:p>
+        </p:txBody>
+      </p:sp>
+      <p:pic>
+        <p:nvPicPr>
+          <p:cNvPr id="11" name="Рисунок 10">
+            <a:extLst>
+              <a:ext uri="{FF2B5EF4-FFF2-40B4-BE49-F238E27FC236}">
+                <a16:creationId xmlns:a16="http://schemas.microsoft.com/office/drawing/2014/main" xmlns="" id="{B105D240-3D6D-4701-913E-3120F404C76E}"/>
+              </a:ext>
+            </a:extLst>
+          </p:cNvPr>
+          <p:cNvPicPr>
+            <a:picLocks noChangeAspect="1"/>
+          </p:cNvPicPr>
+          <p:nvPr/>
+        </p:nvPicPr>
+        <p:blipFill>
+          <a:blip r:embed="rId3" cstate="print"/>
+          <a:stretch>
+            <a:fillRect/>
+          </a:stretch>
+        </p:blipFill>
+        <p:spPr>
+          <a:xfrm>
+            <a:off x="275931" y="5946389"/>
+            <a:ext cx="699659" cy="721022"/>
+          </a:xfrm>
+          <a:prstGeom prst="rect">
+            <a:avLst/>
+          </a:prstGeom>
         </p:spPr>
       </p:pic>
     </p:spTree>
@@ -4713,44 +6427,13 @@
           <a:chExt cx="0" cy="0"/>
         </a:xfrm>
       </p:grpSpPr>
-      <p:sp>
-        <p:nvSpPr>
-          <p:cNvPr id="5" name="Заголовок 1"/>
-          <p:cNvSpPr>
-            <a:spLocks noGrp="1"/>
-          </p:cNvSpPr>
-          <p:nvPr>
-            <p:ph type="title"/>
-          </p:nvPr>
-        </p:nvSpPr>
-        <p:spPr>
-          <a:xfrm>
-            <a:off x="0" y="365125"/>
-            <a:ext cx="11976100" cy="1325563"/>
-          </a:xfrm>
-        </p:spPr>
-        <p:txBody>
-          <a:bodyPr/>
-          <a:lstStyle/>
-          <a:p>
-            <a:pPr algn="ctr"/>
-            <a:r>
-              <a:rPr lang="ru-RU" dirty="0" smtClean="0"/>
-              <a:t>ПРОЦЕСС РАЗРАБОТКИ</a:t>
-            </a:r>
-            <a:endParaRPr lang="ru-RU" dirty="0"/>
-          </a:p>
-        </p:txBody>
-      </p:sp>
       <p:pic>
         <p:nvPicPr>
-          <p:cNvPr id="9" name="Picture 2"/>
+          <p:cNvPr id="2050" name="Picture 2"/>
           <p:cNvPicPr>
-            <a:picLocks noGrp="1" noChangeAspect="1" noChangeArrowheads="1"/>
+            <a:picLocks noChangeAspect="1" noChangeArrowheads="1"/>
           </p:cNvPicPr>
-          <p:nvPr>
-            <p:ph idx="1"/>
-          </p:nvPr>
+          <p:nvPr/>
         </p:nvPicPr>
         <p:blipFill>
           <a:blip r:embed="rId2" cstate="print"/>
@@ -4761,19 +6444,84 @@
         </p:blipFill>
         <p:spPr bwMode="auto">
           <a:xfrm>
-            <a:off x="2092080" y="1889125"/>
-            <a:ext cx="8033239" cy="4351338"/>
+            <a:off x="1444102" y="1652865"/>
+            <a:ext cx="8689601" cy="4920617"/>
           </a:xfrm>
           <a:prstGeom prst="rect">
             <a:avLst/>
           </a:prstGeom>
           <a:noFill/>
-          <a:ln w="9525">
-            <a:noFill/>
-            <a:miter lim="800000"/>
+          <a:ln w="19050">
+            <a:solidFill>
+              <a:schemeClr val="tx1"/>
+            </a:solidFill>
+            <a:round/>
             <a:headEnd/>
             <a:tailEnd/>
           </a:ln>
+        </p:spPr>
+      </p:pic>
+      <p:sp>
+        <p:nvSpPr>
+          <p:cNvPr id="10" name="Заголовок 1"/>
+          <p:cNvSpPr>
+            <a:spLocks noGrp="1"/>
+          </p:cNvSpPr>
+          <p:nvPr>
+            <p:ph type="title"/>
+          </p:nvPr>
+        </p:nvSpPr>
+        <p:spPr>
+          <a:xfrm>
+            <a:off x="0" y="365125"/>
+            <a:ext cx="11976100" cy="1325563"/>
+          </a:xfrm>
+        </p:spPr>
+        <p:txBody>
+          <a:bodyPr/>
+          <a:lstStyle/>
+          <a:p>
+            <a:pPr algn="ctr"/>
+            <a:r>
+              <a:rPr lang="ru-RU" dirty="0" smtClean="0"/>
+              <a:t>ПРОЦЕСС </a:t>
+            </a:r>
+            <a:r>
+              <a:rPr lang="ru-RU" dirty="0" smtClean="0"/>
+              <a:t>РАЗРАБОТКИ КОНФИГУРАЦИИ</a:t>
+            </a:r>
+            <a:endParaRPr lang="ru-RU" dirty="0"/>
+          </a:p>
+        </p:txBody>
+      </p:sp>
+      <p:pic>
+        <p:nvPicPr>
+          <p:cNvPr id="11" name="Рисунок 10">
+            <a:extLst>
+              <a:ext uri="{FF2B5EF4-FFF2-40B4-BE49-F238E27FC236}">
+                <a16:creationId xmlns:a16="http://schemas.microsoft.com/office/drawing/2014/main" xmlns="" id="{B105D240-3D6D-4701-913E-3120F404C76E}"/>
+              </a:ext>
+            </a:extLst>
+          </p:cNvPr>
+          <p:cNvPicPr>
+            <a:picLocks noChangeAspect="1"/>
+          </p:cNvPicPr>
+          <p:nvPr/>
+        </p:nvPicPr>
+        <p:blipFill>
+          <a:blip r:embed="rId3" cstate="print"/>
+          <a:stretch>
+            <a:fillRect/>
+          </a:stretch>
+        </p:blipFill>
+        <p:spPr>
+          <a:xfrm>
+            <a:off x="275931" y="5946389"/>
+            <a:ext cx="699659" cy="721022"/>
+          </a:xfrm>
+          <a:prstGeom prst="rect">
+            <a:avLst/>
+          </a:prstGeom>
         </p:spPr>
       </p:pic>
     </p:spTree>
@@ -4803,13 +6551,7 @@
       </p:grpSpPr>
       <p:sp>
         <p:nvSpPr>
-          <p:cNvPr id="2" name="Заголовок 1">
-            <a:extLst>
-              <a:ext uri="{FF2B5EF4-FFF2-40B4-BE49-F238E27FC236}">
-                <a16:creationId xmlns="" xmlns:a16="http://schemas.microsoft.com/office/drawing/2014/main" id="{21BCC99F-DE57-4B19-BF82-2D83AE20D0E8}"/>
-              </a:ext>
-            </a:extLst>
-          </p:cNvPr>
+          <p:cNvPr id="5" name="Заголовок 1"/>
           <p:cNvSpPr>
             <a:spLocks noGrp="1"/>
           </p:cNvSpPr>
@@ -4819,8 +6561,8 @@
         </p:nvSpPr>
         <p:spPr>
           <a:xfrm>
-            <a:off x="0" y="2563184"/>
-            <a:ext cx="12192000" cy="1325563"/>
+            <a:off x="0" y="365125"/>
+            <a:ext cx="11976100" cy="1325563"/>
           </a:xfrm>
         </p:spPr>
         <p:txBody>
@@ -4829,23 +6571,82 @@
           <a:p>
             <a:pPr algn="ctr"/>
             <a:r>
-              <a:rPr lang="ru-RU" dirty="0"/>
-              <a:t>Спасибо за </a:t>
-            </a:r>
-            <a:r>
               <a:rPr lang="ru-RU" dirty="0" smtClean="0"/>
-              <a:t>внимание!</a:t>
+              <a:t>ПРОЦЕСС </a:t>
+            </a:r>
+            <a:r>
+              <a:rPr lang="ru-RU" dirty="0" smtClean="0"/>
+              <a:t>РАЗРАБОТКИ КОНФИГУРАЦИИ</a:t>
             </a:r>
             <a:endParaRPr lang="ru-RU" dirty="0"/>
           </a:p>
         </p:txBody>
       </p:sp>
+      <p:pic>
+        <p:nvPicPr>
+          <p:cNvPr id="22530" name="Picture 2"/>
+          <p:cNvPicPr>
+            <a:picLocks noChangeAspect="1" noChangeArrowheads="1"/>
+          </p:cNvPicPr>
+          <p:nvPr/>
+        </p:nvPicPr>
+        <p:blipFill>
+          <a:blip r:embed="rId2" cstate="print"/>
+          <a:srcRect/>
+          <a:stretch>
+            <a:fillRect/>
+          </a:stretch>
+        </p:blipFill>
+        <p:spPr bwMode="auto">
+          <a:xfrm>
+            <a:off x="1688950" y="1633716"/>
+            <a:ext cx="8702937" cy="4877518"/>
+          </a:xfrm>
+          <a:prstGeom prst="rect">
+            <a:avLst/>
+          </a:prstGeom>
+          <a:noFill/>
+          <a:ln w="19050">
+            <a:solidFill>
+              <a:schemeClr val="tx1"/>
+            </a:solidFill>
+            <a:round/>
+            <a:headEnd/>
+            <a:tailEnd/>
+          </a:ln>
+        </p:spPr>
+      </p:pic>
+      <p:pic>
+        <p:nvPicPr>
+          <p:cNvPr id="6" name="Рисунок 5">
+            <a:extLst>
+              <a:ext uri="{FF2B5EF4-FFF2-40B4-BE49-F238E27FC236}">
+                <a16:creationId xmlns:a16="http://schemas.microsoft.com/office/drawing/2014/main" xmlns="" id="{B105D240-3D6D-4701-913E-3120F404C76E}"/>
+              </a:ext>
+            </a:extLst>
+          </p:cNvPr>
+          <p:cNvPicPr>
+            <a:picLocks noChangeAspect="1"/>
+          </p:cNvPicPr>
+          <p:nvPr/>
+        </p:nvPicPr>
+        <p:blipFill>
+          <a:blip r:embed="rId3" cstate="print"/>
+          <a:stretch>
+            <a:fillRect/>
+          </a:stretch>
+        </p:blipFill>
+        <p:spPr>
+          <a:xfrm>
+            <a:off x="275931" y="5946389"/>
+            <a:ext cx="699659" cy="721022"/>
+          </a:xfrm>
+          <a:prstGeom prst="rect">
+            <a:avLst/>
+          </a:prstGeom>
+        </p:spPr>
+      </p:pic>
     </p:spTree>
-    <p:extLst>
-      <p:ext uri="{BB962C8B-B14F-4D97-AF65-F5344CB8AC3E}">
-        <p14:creationId xmlns="" xmlns:p14="http://schemas.microsoft.com/office/powerpoint/2010/main" val="4145364355"/>
-      </p:ext>
-    </p:extLst>
   </p:cSld>
   <p:clrMapOvr>
     <a:masterClrMapping/>
@@ -5142,7 +6943,7 @@
   <a:extraClrSchemeLst/>
   <a:extLst>
     <a:ext uri="{05A4C25C-085E-4340-85A3-A5531E510DB2}">
-      <thm15:themeFamily xmlns="" xmlns:thm15="http://schemas.microsoft.com/office/thememl/2012/main" name="Office Theme" id="{62F939B6-93AF-4DB8-9C6B-D6C7DFDC589F}" vid="{4A3C46E8-61CC-4603-A589-7422A47A8E4A}"/>
+      <thm15:themeFamily xmlns:thm15="http://schemas.microsoft.com/office/thememl/2012/main" xmlns="" name="Office Theme" id="{62F939B6-93AF-4DB8-9C6B-D6C7DFDC589F}" vid="{4A3C46E8-61CC-4603-A589-7422A47A8E4A}"/>
     </a:ext>
   </a:extLst>
 </a:theme>
